--- a/Session_2_ML_DL_intro_python_MT2024.pptx
+++ b/Session_2_ML_DL_intro_python_MT2024.pptx
@@ -4,29 +4,33 @@
   <p:sldMasterIdLst>
     <p:sldMasterId id="2147483648" r:id="rId1"/>
   </p:sldMasterIdLst>
+  <p:notesMasterIdLst>
+    <p:notesMasterId r:id="rId25"/>
+  </p:notesMasterIdLst>
   <p:sldIdLst>
-    <p:sldId id="257" r:id="rId2"/>
-    <p:sldId id="266" r:id="rId3"/>
-    <p:sldId id="258" r:id="rId4"/>
-    <p:sldId id="275" r:id="rId5"/>
-    <p:sldId id="265" r:id="rId6"/>
-    <p:sldId id="259" r:id="rId7"/>
-    <p:sldId id="260" r:id="rId8"/>
-    <p:sldId id="268" r:id="rId9"/>
-    <p:sldId id="273" r:id="rId10"/>
-    <p:sldId id="267" r:id="rId11"/>
-    <p:sldId id="277" r:id="rId12"/>
-    <p:sldId id="271" r:id="rId13"/>
-    <p:sldId id="269" r:id="rId14"/>
-    <p:sldId id="270" r:id="rId15"/>
-    <p:sldId id="261" r:id="rId16"/>
-    <p:sldId id="262" r:id="rId17"/>
-    <p:sldId id="276" r:id="rId18"/>
-    <p:sldId id="263" r:id="rId19"/>
-    <p:sldId id="274" r:id="rId20"/>
-    <p:sldId id="278" r:id="rId21"/>
-    <p:sldId id="264" r:id="rId22"/>
-    <p:sldId id="272" r:id="rId23"/>
+    <p:sldId id="279" r:id="rId2"/>
+    <p:sldId id="257" r:id="rId3"/>
+    <p:sldId id="266" r:id="rId4"/>
+    <p:sldId id="258" r:id="rId5"/>
+    <p:sldId id="275" r:id="rId6"/>
+    <p:sldId id="265" r:id="rId7"/>
+    <p:sldId id="259" r:id="rId8"/>
+    <p:sldId id="260" r:id="rId9"/>
+    <p:sldId id="268" r:id="rId10"/>
+    <p:sldId id="273" r:id="rId11"/>
+    <p:sldId id="267" r:id="rId12"/>
+    <p:sldId id="277" r:id="rId13"/>
+    <p:sldId id="271" r:id="rId14"/>
+    <p:sldId id="269" r:id="rId15"/>
+    <p:sldId id="270" r:id="rId16"/>
+    <p:sldId id="261" r:id="rId17"/>
+    <p:sldId id="262" r:id="rId18"/>
+    <p:sldId id="276" r:id="rId19"/>
+    <p:sldId id="263" r:id="rId20"/>
+    <p:sldId id="274" r:id="rId21"/>
+    <p:sldId id="278" r:id="rId22"/>
+    <p:sldId id="264" r:id="rId23"/>
+    <p:sldId id="272" r:id="rId24"/>
   </p:sldIdLst>
   <p:sldSz cx="12192000" cy="6858000"/>
   <p:notesSz cx="6858000" cy="9144000"/>
@@ -125,6 +129,11 @@
       </a:defRPr>
     </a:lvl9pPr>
   </p:defaultTextStyle>
+  <p:extLst>
+    <p:ext uri="{EFAFB233-063F-42B5-8137-9DF3F51BA10A}">
+      <p15:sldGuideLst xmlns:p15="http://schemas.microsoft.com/office/powerpoint/2012/main"/>
+    </p:ext>
+  </p:extLst>
 </p:presentation>
 </file>
 
@@ -481,6 +490,440 @@
 </pc:chgInfo>
 </file>
 
+<file path=ppt/notesMasters/notesMaster1.xml><?xml version="1.0" encoding="utf-8"?>
+<p:notesMaster xmlns:a="http://schemas.openxmlformats.org/drawingml/2006/main" xmlns:r="http://schemas.openxmlformats.org/officeDocument/2006/relationships" xmlns:p="http://schemas.openxmlformats.org/presentationml/2006/main">
+  <p:cSld>
+    <p:bg>
+      <p:bgRef idx="1001">
+        <a:schemeClr val="bg1"/>
+      </p:bgRef>
+    </p:bg>
+    <p:spTree>
+      <p:nvGrpSpPr>
+        <p:cNvPr id="1" name=""/>
+        <p:cNvGrpSpPr/>
+        <p:nvPr/>
+      </p:nvGrpSpPr>
+      <p:grpSpPr>
+        <a:xfrm>
+          <a:off x="0" y="0"/>
+          <a:ext cx="0" cy="0"/>
+          <a:chOff x="0" y="0"/>
+          <a:chExt cx="0" cy="0"/>
+        </a:xfrm>
+      </p:grpSpPr>
+      <p:sp>
+        <p:nvSpPr>
+          <p:cNvPr id="2" name="Header Placeholder 1"/>
+          <p:cNvSpPr>
+            <a:spLocks noGrp="1"/>
+          </p:cNvSpPr>
+          <p:nvPr>
+            <p:ph type="hdr" sz="quarter"/>
+          </p:nvPr>
+        </p:nvSpPr>
+        <p:spPr>
+          <a:xfrm>
+            <a:off x="0" y="0"/>
+            <a:ext cx="2971800" cy="458788"/>
+          </a:xfrm>
+          <a:prstGeom prst="rect">
+            <a:avLst/>
+          </a:prstGeom>
+        </p:spPr>
+        <p:txBody>
+          <a:bodyPr vert="horz" lIns="91440" tIns="45720" rIns="91440" bIns="45720" rtlCol="0"/>
+          <a:lstStyle>
+            <a:lvl1pPr algn="l">
+              <a:defRPr sz="1200"/>
+            </a:lvl1pPr>
+          </a:lstStyle>
+          <a:p>
+            <a:endParaRPr lang="en-US"/>
+          </a:p>
+        </p:txBody>
+      </p:sp>
+      <p:sp>
+        <p:nvSpPr>
+          <p:cNvPr id="3" name="Date Placeholder 2"/>
+          <p:cNvSpPr>
+            <a:spLocks noGrp="1"/>
+          </p:cNvSpPr>
+          <p:nvPr>
+            <p:ph type="dt" idx="1"/>
+          </p:nvPr>
+        </p:nvSpPr>
+        <p:spPr>
+          <a:xfrm>
+            <a:off x="3884613" y="0"/>
+            <a:ext cx="2971800" cy="458788"/>
+          </a:xfrm>
+          <a:prstGeom prst="rect">
+            <a:avLst/>
+          </a:prstGeom>
+        </p:spPr>
+        <p:txBody>
+          <a:bodyPr vert="horz" lIns="91440" tIns="45720" rIns="91440" bIns="45720" rtlCol="0"/>
+          <a:lstStyle>
+            <a:lvl1pPr algn="r">
+              <a:defRPr sz="1200"/>
+            </a:lvl1pPr>
+          </a:lstStyle>
+          <a:p>
+            <a:fld id="{321F9A8F-8DBF-5448-B101-F470301396C1}" type="datetimeFigureOut">
+              <a:rPr lang="en-US" smtClean="0"/>
+              <a:t>3/9/25</a:t>
+            </a:fld>
+            <a:endParaRPr lang="en-US"/>
+          </a:p>
+        </p:txBody>
+      </p:sp>
+      <p:sp>
+        <p:nvSpPr>
+          <p:cNvPr id="4" name="Slide Image Placeholder 3"/>
+          <p:cNvSpPr>
+            <a:spLocks noGrp="1" noRot="1" noChangeAspect="1"/>
+          </p:cNvSpPr>
+          <p:nvPr>
+            <p:ph type="sldImg" idx="2"/>
+          </p:nvPr>
+        </p:nvSpPr>
+        <p:spPr>
+          <a:xfrm>
+            <a:off x="685800" y="1143000"/>
+            <a:ext cx="5486400" cy="3086100"/>
+          </a:xfrm>
+          <a:prstGeom prst="rect">
+            <a:avLst/>
+          </a:prstGeom>
+          <a:noFill/>
+          <a:ln w="12700">
+            <a:solidFill>
+              <a:prstClr val="black"/>
+            </a:solidFill>
+          </a:ln>
+        </p:spPr>
+        <p:txBody>
+          <a:bodyPr vert="horz" lIns="91440" tIns="45720" rIns="91440" bIns="45720" rtlCol="0" anchor="ctr"/>
+          <a:lstStyle/>
+          <a:p>
+            <a:endParaRPr lang="en-US"/>
+          </a:p>
+        </p:txBody>
+      </p:sp>
+      <p:sp>
+        <p:nvSpPr>
+          <p:cNvPr id="5" name="Notes Placeholder 4"/>
+          <p:cNvSpPr>
+            <a:spLocks noGrp="1"/>
+          </p:cNvSpPr>
+          <p:nvPr>
+            <p:ph type="body" sz="quarter" idx="3"/>
+          </p:nvPr>
+        </p:nvSpPr>
+        <p:spPr>
+          <a:xfrm>
+            <a:off x="685800" y="4400550"/>
+            <a:ext cx="5486400" cy="3600450"/>
+          </a:xfrm>
+          <a:prstGeom prst="rect">
+            <a:avLst/>
+          </a:prstGeom>
+        </p:spPr>
+        <p:txBody>
+          <a:bodyPr vert="horz" lIns="91440" tIns="45720" rIns="91440" bIns="45720" rtlCol="0"/>
+          <a:lstStyle/>
+          <a:p>
+            <a:pPr lvl="0"/>
+            <a:r>
+              <a:rPr lang="en-GB"/>
+              <a:t>Click to edit Master text styles</a:t>
+            </a:r>
+          </a:p>
+          <a:p>
+            <a:pPr lvl="1"/>
+            <a:r>
+              <a:rPr lang="en-GB"/>
+              <a:t>Second level</a:t>
+            </a:r>
+          </a:p>
+          <a:p>
+            <a:pPr lvl="2"/>
+            <a:r>
+              <a:rPr lang="en-GB"/>
+              <a:t>Third level</a:t>
+            </a:r>
+          </a:p>
+          <a:p>
+            <a:pPr lvl="3"/>
+            <a:r>
+              <a:rPr lang="en-GB"/>
+              <a:t>Fourth level</a:t>
+            </a:r>
+          </a:p>
+          <a:p>
+            <a:pPr lvl="4"/>
+            <a:r>
+              <a:rPr lang="en-GB"/>
+              <a:t>Fifth level</a:t>
+            </a:r>
+            <a:endParaRPr lang="en-US"/>
+          </a:p>
+        </p:txBody>
+      </p:sp>
+      <p:sp>
+        <p:nvSpPr>
+          <p:cNvPr id="6" name="Footer Placeholder 5"/>
+          <p:cNvSpPr>
+            <a:spLocks noGrp="1"/>
+          </p:cNvSpPr>
+          <p:nvPr>
+            <p:ph type="ftr" sz="quarter" idx="4"/>
+          </p:nvPr>
+        </p:nvSpPr>
+        <p:spPr>
+          <a:xfrm>
+            <a:off x="0" y="8685213"/>
+            <a:ext cx="2971800" cy="458787"/>
+          </a:xfrm>
+          <a:prstGeom prst="rect">
+            <a:avLst/>
+          </a:prstGeom>
+        </p:spPr>
+        <p:txBody>
+          <a:bodyPr vert="horz" lIns="91440" tIns="45720" rIns="91440" bIns="45720" rtlCol="0" anchor="b"/>
+          <a:lstStyle>
+            <a:lvl1pPr algn="l">
+              <a:defRPr sz="1200"/>
+            </a:lvl1pPr>
+          </a:lstStyle>
+          <a:p>
+            <a:endParaRPr lang="en-US"/>
+          </a:p>
+        </p:txBody>
+      </p:sp>
+      <p:sp>
+        <p:nvSpPr>
+          <p:cNvPr id="7" name="Slide Number Placeholder 6"/>
+          <p:cNvSpPr>
+            <a:spLocks noGrp="1"/>
+          </p:cNvSpPr>
+          <p:nvPr>
+            <p:ph type="sldNum" sz="quarter" idx="5"/>
+          </p:nvPr>
+        </p:nvSpPr>
+        <p:spPr>
+          <a:xfrm>
+            <a:off x="3884613" y="8685213"/>
+            <a:ext cx="2971800" cy="458787"/>
+          </a:xfrm>
+          <a:prstGeom prst="rect">
+            <a:avLst/>
+          </a:prstGeom>
+        </p:spPr>
+        <p:txBody>
+          <a:bodyPr vert="horz" lIns="91440" tIns="45720" rIns="91440" bIns="45720" rtlCol="0" anchor="b"/>
+          <a:lstStyle>
+            <a:lvl1pPr algn="r">
+              <a:defRPr sz="1200"/>
+            </a:lvl1pPr>
+          </a:lstStyle>
+          <a:p>
+            <a:fld id="{1D63C0A1-EC7C-1548-BAAD-DEB9BD492088}" type="slidenum">
+              <a:rPr lang="en-US" smtClean="0"/>
+              <a:t>‹#›</a:t>
+            </a:fld>
+            <a:endParaRPr lang="en-US"/>
+          </a:p>
+        </p:txBody>
+      </p:sp>
+    </p:spTree>
+    <p:extLst>
+      <p:ext uri="{BB962C8B-B14F-4D97-AF65-F5344CB8AC3E}">
+        <p14:creationId xmlns:p14="http://schemas.microsoft.com/office/powerpoint/2010/main" val="1614722922"/>
+      </p:ext>
+    </p:extLst>
+  </p:cSld>
+  <p:clrMap bg1="lt1" tx1="dk1" bg2="lt2" tx2="dk2" accent1="accent1" accent2="accent2" accent3="accent3" accent4="accent4" accent5="accent5" accent6="accent6" hlink="hlink" folHlink="folHlink"/>
+  <p:notesStyle>
+    <a:lvl1pPr marL="0" algn="l" defTabSz="914400" rtl="0" eaLnBrk="1" latinLnBrk="0" hangingPunct="1">
+      <a:defRPr sz="1200" kern="1200">
+        <a:solidFill>
+          <a:schemeClr val="tx1"/>
+        </a:solidFill>
+        <a:latin typeface="+mn-lt"/>
+        <a:ea typeface="+mn-ea"/>
+        <a:cs typeface="+mn-cs"/>
+      </a:defRPr>
+    </a:lvl1pPr>
+    <a:lvl2pPr marL="457200" algn="l" defTabSz="914400" rtl="0" eaLnBrk="1" latinLnBrk="0" hangingPunct="1">
+      <a:defRPr sz="1200" kern="1200">
+        <a:solidFill>
+          <a:schemeClr val="tx1"/>
+        </a:solidFill>
+        <a:latin typeface="+mn-lt"/>
+        <a:ea typeface="+mn-ea"/>
+        <a:cs typeface="+mn-cs"/>
+      </a:defRPr>
+    </a:lvl2pPr>
+    <a:lvl3pPr marL="914400" algn="l" defTabSz="914400" rtl="0" eaLnBrk="1" latinLnBrk="0" hangingPunct="1">
+      <a:defRPr sz="1200" kern="1200">
+        <a:solidFill>
+          <a:schemeClr val="tx1"/>
+        </a:solidFill>
+        <a:latin typeface="+mn-lt"/>
+        <a:ea typeface="+mn-ea"/>
+        <a:cs typeface="+mn-cs"/>
+      </a:defRPr>
+    </a:lvl3pPr>
+    <a:lvl4pPr marL="1371600" algn="l" defTabSz="914400" rtl="0" eaLnBrk="1" latinLnBrk="0" hangingPunct="1">
+      <a:defRPr sz="1200" kern="1200">
+        <a:solidFill>
+          <a:schemeClr val="tx1"/>
+        </a:solidFill>
+        <a:latin typeface="+mn-lt"/>
+        <a:ea typeface="+mn-ea"/>
+        <a:cs typeface="+mn-cs"/>
+      </a:defRPr>
+    </a:lvl4pPr>
+    <a:lvl5pPr marL="1828800" algn="l" defTabSz="914400" rtl="0" eaLnBrk="1" latinLnBrk="0" hangingPunct="1">
+      <a:defRPr sz="1200" kern="1200">
+        <a:solidFill>
+          <a:schemeClr val="tx1"/>
+        </a:solidFill>
+        <a:latin typeface="+mn-lt"/>
+        <a:ea typeface="+mn-ea"/>
+        <a:cs typeface="+mn-cs"/>
+      </a:defRPr>
+    </a:lvl5pPr>
+    <a:lvl6pPr marL="2286000" algn="l" defTabSz="914400" rtl="0" eaLnBrk="1" latinLnBrk="0" hangingPunct="1">
+      <a:defRPr sz="1200" kern="1200">
+        <a:solidFill>
+          <a:schemeClr val="tx1"/>
+        </a:solidFill>
+        <a:latin typeface="+mn-lt"/>
+        <a:ea typeface="+mn-ea"/>
+        <a:cs typeface="+mn-cs"/>
+      </a:defRPr>
+    </a:lvl6pPr>
+    <a:lvl7pPr marL="2743200" algn="l" defTabSz="914400" rtl="0" eaLnBrk="1" latinLnBrk="0" hangingPunct="1">
+      <a:defRPr sz="1200" kern="1200">
+        <a:solidFill>
+          <a:schemeClr val="tx1"/>
+        </a:solidFill>
+        <a:latin typeface="+mn-lt"/>
+        <a:ea typeface="+mn-ea"/>
+        <a:cs typeface="+mn-cs"/>
+      </a:defRPr>
+    </a:lvl7pPr>
+    <a:lvl8pPr marL="3200400" algn="l" defTabSz="914400" rtl="0" eaLnBrk="1" latinLnBrk="0" hangingPunct="1">
+      <a:defRPr sz="1200" kern="1200">
+        <a:solidFill>
+          <a:schemeClr val="tx1"/>
+        </a:solidFill>
+        <a:latin typeface="+mn-lt"/>
+        <a:ea typeface="+mn-ea"/>
+        <a:cs typeface="+mn-cs"/>
+      </a:defRPr>
+    </a:lvl8pPr>
+    <a:lvl9pPr marL="3657600" algn="l" defTabSz="914400" rtl="0" eaLnBrk="1" latinLnBrk="0" hangingPunct="1">
+      <a:defRPr sz="1200" kern="1200">
+        <a:solidFill>
+          <a:schemeClr val="tx1"/>
+        </a:solidFill>
+        <a:latin typeface="+mn-lt"/>
+        <a:ea typeface="+mn-ea"/>
+        <a:cs typeface="+mn-cs"/>
+      </a:defRPr>
+    </a:lvl9pPr>
+  </p:notesStyle>
+</p:notesMaster>
+</file>
+
+<file path=ppt/notesSlides/notesSlide1.xml><?xml version="1.0" encoding="utf-8"?>
+<p:notes xmlns:a="http://schemas.openxmlformats.org/drawingml/2006/main" xmlns:r="http://schemas.openxmlformats.org/officeDocument/2006/relationships" xmlns:p="http://schemas.openxmlformats.org/presentationml/2006/main">
+  <p:cSld>
+    <p:spTree>
+      <p:nvGrpSpPr>
+        <p:cNvPr id="1" name=""/>
+        <p:cNvGrpSpPr/>
+        <p:nvPr/>
+      </p:nvGrpSpPr>
+      <p:grpSpPr>
+        <a:xfrm>
+          <a:off x="0" y="0"/>
+          <a:ext cx="0" cy="0"/>
+          <a:chOff x="0" y="0"/>
+          <a:chExt cx="0" cy="0"/>
+        </a:xfrm>
+      </p:grpSpPr>
+      <p:sp>
+        <p:nvSpPr>
+          <p:cNvPr id="2" name="Slide Image Placeholder 1"/>
+          <p:cNvSpPr>
+            <a:spLocks noGrp="1" noRot="1" noChangeAspect="1"/>
+          </p:cNvSpPr>
+          <p:nvPr>
+            <p:ph type="sldImg"/>
+          </p:nvPr>
+        </p:nvSpPr>
+        <p:spPr/>
+      </p:sp>
+      <p:sp>
+        <p:nvSpPr>
+          <p:cNvPr id="3" name="Notes Placeholder 2"/>
+          <p:cNvSpPr>
+            <a:spLocks noGrp="1"/>
+          </p:cNvSpPr>
+          <p:nvPr>
+            <p:ph type="body" idx="1"/>
+          </p:nvPr>
+        </p:nvSpPr>
+        <p:spPr/>
+        <p:txBody>
+          <a:bodyPr/>
+          <a:lstStyle/>
+          <a:p>
+            <a:endParaRPr lang="en-US"/>
+          </a:p>
+        </p:txBody>
+      </p:sp>
+      <p:sp>
+        <p:nvSpPr>
+          <p:cNvPr id="4" name="Slide Number Placeholder 3"/>
+          <p:cNvSpPr>
+            <a:spLocks noGrp="1"/>
+          </p:cNvSpPr>
+          <p:nvPr>
+            <p:ph type="sldNum" sz="quarter" idx="10"/>
+          </p:nvPr>
+        </p:nvSpPr>
+        <p:spPr/>
+        <p:txBody>
+          <a:bodyPr/>
+          <a:lstStyle/>
+          <a:p>
+            <a:fld id="{A4D837E0-5688-8D46-BD3D-BB50D1F61D08}" type="slidenum">
+              <a:rPr lang="en-US" smtClean="0"/>
+              <a:t>1</a:t>
+            </a:fld>
+            <a:endParaRPr lang="en-US"/>
+          </a:p>
+        </p:txBody>
+      </p:sp>
+    </p:spTree>
+    <p:extLst>
+      <p:ext uri="{BB962C8B-B14F-4D97-AF65-F5344CB8AC3E}">
+        <p14:creationId xmlns:p14="http://schemas.microsoft.com/office/powerpoint/2010/main" val="460315412"/>
+      </p:ext>
+    </p:extLst>
+  </p:cSld>
+  <p:clrMapOvr>
+    <a:masterClrMapping/>
+  </p:clrMapOvr>
+</p:notes>
+</file>
+
 <file path=ppt/slideLayouts/slideLayout1.xml><?xml version="1.0" encoding="utf-8"?>
 <p:sldLayout xmlns:a="http://schemas.openxmlformats.org/drawingml/2006/main" xmlns:r="http://schemas.openxmlformats.org/officeDocument/2006/relationships" xmlns:p="http://schemas.openxmlformats.org/presentationml/2006/main" type="title" preserve="1">
   <p:cSld name="Title Slide">
@@ -630,7 +1073,7 @@
           <a:p>
             <a:fld id="{7C7E9CC2-F8D3-6047-97B4-E95E02B9DE73}" type="datetimeFigureOut">
               <a:rPr lang="en-US" smtClean="0"/>
-              <a:t>3/3/25</a:t>
+              <a:t>3/9/25</a:t>
             </a:fld>
             <a:endParaRPr lang="en-US"/>
           </a:p>
@@ -830,7 +1273,7 @@
           <a:p>
             <a:fld id="{7C7E9CC2-F8D3-6047-97B4-E95E02B9DE73}" type="datetimeFigureOut">
               <a:rPr lang="en-US" smtClean="0"/>
-              <a:t>3/3/25</a:t>
+              <a:t>3/9/25</a:t>
             </a:fld>
             <a:endParaRPr lang="en-US"/>
           </a:p>
@@ -1040,7 +1483,7 @@
           <a:p>
             <a:fld id="{7C7E9CC2-F8D3-6047-97B4-E95E02B9DE73}" type="datetimeFigureOut">
               <a:rPr lang="en-US" smtClean="0"/>
-              <a:t>3/3/25</a:t>
+              <a:t>3/9/25</a:t>
             </a:fld>
             <a:endParaRPr lang="en-US"/>
           </a:p>
@@ -1240,7 +1683,7 @@
           <a:p>
             <a:fld id="{7C7E9CC2-F8D3-6047-97B4-E95E02B9DE73}" type="datetimeFigureOut">
               <a:rPr lang="en-US" smtClean="0"/>
-              <a:t>3/3/25</a:t>
+              <a:t>3/9/25</a:t>
             </a:fld>
             <a:endParaRPr lang="en-US"/>
           </a:p>
@@ -1516,7 +1959,7 @@
           <a:p>
             <a:fld id="{7C7E9CC2-F8D3-6047-97B4-E95E02B9DE73}" type="datetimeFigureOut">
               <a:rPr lang="en-US" smtClean="0"/>
-              <a:t>3/3/25</a:t>
+              <a:t>3/9/25</a:t>
             </a:fld>
             <a:endParaRPr lang="en-US"/>
           </a:p>
@@ -1784,7 +2227,7 @@
           <a:p>
             <a:fld id="{7C7E9CC2-F8D3-6047-97B4-E95E02B9DE73}" type="datetimeFigureOut">
               <a:rPr lang="en-US" smtClean="0"/>
-              <a:t>3/3/25</a:t>
+              <a:t>3/9/25</a:t>
             </a:fld>
             <a:endParaRPr lang="en-US"/>
           </a:p>
@@ -2199,7 +2642,7 @@
           <a:p>
             <a:fld id="{7C7E9CC2-F8D3-6047-97B4-E95E02B9DE73}" type="datetimeFigureOut">
               <a:rPr lang="en-US" smtClean="0"/>
-              <a:t>3/3/25</a:t>
+              <a:t>3/9/25</a:t>
             </a:fld>
             <a:endParaRPr lang="en-US"/>
           </a:p>
@@ -2341,7 +2784,7 @@
           <a:p>
             <a:fld id="{7C7E9CC2-F8D3-6047-97B4-E95E02B9DE73}" type="datetimeFigureOut">
               <a:rPr lang="en-US" smtClean="0"/>
-              <a:t>3/3/25</a:t>
+              <a:t>3/9/25</a:t>
             </a:fld>
             <a:endParaRPr lang="en-US"/>
           </a:p>
@@ -2454,7 +2897,7 @@
           <a:p>
             <a:fld id="{7C7E9CC2-F8D3-6047-97B4-E95E02B9DE73}" type="datetimeFigureOut">
               <a:rPr lang="en-US" smtClean="0"/>
-              <a:t>3/3/25</a:t>
+              <a:t>3/9/25</a:t>
             </a:fld>
             <a:endParaRPr lang="en-US"/>
           </a:p>
@@ -2767,7 +3210,7 @@
           <a:p>
             <a:fld id="{7C7E9CC2-F8D3-6047-97B4-E95E02B9DE73}" type="datetimeFigureOut">
               <a:rPr lang="en-US" smtClean="0"/>
-              <a:t>3/3/25</a:t>
+              <a:t>3/9/25</a:t>
             </a:fld>
             <a:endParaRPr lang="en-US"/>
           </a:p>
@@ -3056,7 +3499,7 @@
           <a:p>
             <a:fld id="{7C7E9CC2-F8D3-6047-97B4-E95E02B9DE73}" type="datetimeFigureOut">
               <a:rPr lang="en-US" smtClean="0"/>
-              <a:t>3/3/25</a:t>
+              <a:t>3/9/25</a:t>
             </a:fld>
             <a:endParaRPr lang="en-US"/>
           </a:p>
@@ -3299,7 +3742,7 @@
           <a:p>
             <a:fld id="{7C7E9CC2-F8D3-6047-97B4-E95E02B9DE73}" type="datetimeFigureOut">
               <a:rPr lang="en-US" smtClean="0"/>
-              <a:t>3/3/25</a:t>
+              <a:t>3/9/25</a:t>
             </a:fld>
             <a:endParaRPr lang="en-US"/>
           </a:p>
@@ -3723,84 +4166,128 @@
             <a:spLocks noGrp="1"/>
           </p:cNvSpPr>
           <p:nvPr>
-            <p:ph type="title"/>
-          </p:nvPr>
-        </p:nvSpPr>
-        <p:spPr/>
-        <p:txBody>
-          <a:bodyPr/>
-          <a:lstStyle/>
-          <a:p>
-            <a:r>
-              <a:rPr lang="en-GB" b="1" dirty="0"/>
-              <a:t>Overview</a:t>
-            </a:r>
-            <a:endParaRPr b="1" dirty="0"/>
-          </a:p>
-        </p:txBody>
-      </p:sp>
-      <p:sp>
-        <p:nvSpPr>
-          <p:cNvPr id="3" name="Content Placeholder 2"/>
-          <p:cNvSpPr>
-            <a:spLocks noGrp="1"/>
-          </p:cNvSpPr>
-          <p:nvPr>
-            <p:ph idx="1"/>
-          </p:nvPr>
-        </p:nvSpPr>
-        <p:spPr/>
+            <p:ph type="ctrTitle"/>
+          </p:nvPr>
+        </p:nvSpPr>
+        <p:spPr>
+          <a:xfrm>
+            <a:off x="2355885" y="5475425"/>
+            <a:ext cx="7772400" cy="431997"/>
+          </a:xfrm>
+        </p:spPr>
         <p:txBody>
           <a:bodyPr>
-            <a:normAutofit/>
+            <a:normAutofit fontScale="90000"/>
           </a:bodyPr>
           <a:lstStyle/>
           <a:p>
             <a:r>
-              <a:rPr lang="en-GB" sz="2400" dirty="0"/>
-              <a:t>Intro to deep learning</a:t>
-            </a:r>
-          </a:p>
-          <a:p>
-            <a:r>
-              <a:rPr lang="en-GB" sz="2400" dirty="0"/>
-              <a:t>Intro to image data</a:t>
-            </a:r>
-          </a:p>
-          <a:p>
-            <a:r>
-              <a:rPr lang="en-GB" sz="2400" dirty="0"/>
-              <a:t>What is a neural network</a:t>
-            </a:r>
-          </a:p>
-          <a:p>
-            <a:r>
-              <a:rPr lang="en-GB" sz="2400" dirty="0"/>
-              <a:t>What is a convolutional neural network</a:t>
-            </a:r>
-          </a:p>
-          <a:p>
-            <a:r>
-              <a:rPr lang="en-GB" sz="2400" dirty="0"/>
-              <a:t>Terminology</a:t>
-            </a:r>
-          </a:p>
-          <a:p>
-            <a:r>
-              <a:rPr lang="en-GB" sz="2400" dirty="0"/>
-              <a:t>Fine-tuning a pre-trained network</a:t>
-            </a:r>
-          </a:p>
-          <a:p>
-            <a:r>
-              <a:rPr lang="en-GB" sz="2400" dirty="0"/>
-              <a:t>Other kinds of NNs</a:t>
-            </a:r>
-            <a:endParaRPr sz="2400" dirty="0"/>
+              <a:rPr lang="en-GB" sz="3200"/>
+              <a:t>1</a:t>
+            </a:r>
+            <a:r>
+              <a:rPr lang="en-GB" sz="3200" dirty="0"/>
+              <a:t>4</a:t>
+            </a:r>
+            <a:r>
+              <a:rPr lang="en-GB" sz="3200"/>
+              <a:t>/0</a:t>
+            </a:r>
+            <a:r>
+              <a:rPr lang="ru-RU" sz="3200" dirty="0"/>
+              <a:t>3</a:t>
+            </a:r>
+            <a:r>
+              <a:rPr lang="en-GB" sz="3200" dirty="0"/>
+              <a:t>/2025</a:t>
+            </a:r>
+            <a:endParaRPr lang="en-US" sz="3200" dirty="0"/>
+          </a:p>
+        </p:txBody>
+      </p:sp>
+      <p:sp>
+        <p:nvSpPr>
+          <p:cNvPr id="6" name="Rectangle 5"/>
+          <p:cNvSpPr/>
+          <p:nvPr/>
+        </p:nvSpPr>
+        <p:spPr>
+          <a:xfrm>
+            <a:off x="2627716" y="1859606"/>
+            <a:ext cx="7228738" cy="2554545"/>
+          </a:xfrm>
+          <a:prstGeom prst="rect">
+            <a:avLst/>
+          </a:prstGeom>
+        </p:spPr>
+        <p:txBody>
+          <a:bodyPr wrap="square">
+            <a:spAutoFit/>
+          </a:bodyPr>
+          <a:lstStyle/>
+          <a:p>
+            <a:pPr algn="ctr"/>
+            <a:r>
+              <a:rPr lang="en-GB" sz="4000" b="1" dirty="0">
+                <a:latin typeface="+mj-lt"/>
+              </a:rPr>
+              <a:t>Introduction to machine learning and deep learning in Python</a:t>
+            </a:r>
+          </a:p>
+          <a:p>
+            <a:pPr algn="ctr"/>
+            <a:endParaRPr lang="en-US" sz="4000" b="1" dirty="0">
+              <a:latin typeface="+mj-lt"/>
+            </a:endParaRPr>
+          </a:p>
+          <a:p>
+            <a:pPr algn="ctr"/>
+            <a:r>
+              <a:rPr lang="en-US" sz="4000" b="1" dirty="0">
+                <a:latin typeface="+mj-lt"/>
+              </a:rPr>
+              <a:t>Session 2</a:t>
+            </a:r>
+          </a:p>
+        </p:txBody>
+      </p:sp>
+      <p:sp>
+        <p:nvSpPr>
+          <p:cNvPr id="9" name="Rectangle 8"/>
+          <p:cNvSpPr/>
+          <p:nvPr/>
+        </p:nvSpPr>
+        <p:spPr>
+          <a:xfrm>
+            <a:off x="5822321" y="4890650"/>
+            <a:ext cx="839525" cy="584775"/>
+          </a:xfrm>
+          <a:prstGeom prst="rect">
+            <a:avLst/>
+          </a:prstGeom>
+        </p:spPr>
+        <p:txBody>
+          <a:bodyPr wrap="none">
+            <a:spAutoFit/>
+          </a:bodyPr>
+          <a:lstStyle/>
+          <a:p>
+            <a:pPr algn="ctr"/>
+            <a:r>
+              <a:rPr lang="en-US" sz="3200" dirty="0">
+                <a:latin typeface="+mj-lt"/>
+              </a:rPr>
+              <a:t>Rao</a:t>
+            </a:r>
           </a:p>
         </p:txBody>
       </p:sp>
     </p:spTree>
+    <p:extLst>
+      <p:ext uri="{BB962C8B-B14F-4D97-AF65-F5344CB8AC3E}">
+        <p14:creationId xmlns:p14="http://schemas.microsoft.com/office/powerpoint/2010/main" val="1548177935"/>
+      </p:ext>
+    </p:extLst>
   </p:cSld>
   <p:clrMapOvr>
     <a:masterClrMapping/>
@@ -3809,6 +4296,103 @@
 </file>
 
 <file path=ppt/slides/slide10.xml><?xml version="1.0" encoding="utf-8"?>
+<p:sld xmlns:a="http://schemas.openxmlformats.org/drawingml/2006/main" xmlns:r="http://schemas.openxmlformats.org/officeDocument/2006/relationships" xmlns:p="http://schemas.openxmlformats.org/presentationml/2006/main">
+  <p:cSld>
+    <p:spTree>
+      <p:nvGrpSpPr>
+        <p:cNvPr id="1" name="">
+          <a:extLst>
+            <a:ext uri="{FF2B5EF4-FFF2-40B4-BE49-F238E27FC236}">
+              <a16:creationId xmlns:a16="http://schemas.microsoft.com/office/drawing/2014/main" id="{C6566D25-628C-FC55-F498-9E917B4A8B43}"/>
+            </a:ext>
+          </a:extLst>
+        </p:cNvPr>
+        <p:cNvGrpSpPr/>
+        <p:nvPr/>
+      </p:nvGrpSpPr>
+      <p:grpSpPr>
+        <a:xfrm>
+          <a:off x="0" y="0"/>
+          <a:ext cx="0" cy="0"/>
+          <a:chOff x="0" y="0"/>
+          <a:chExt cx="0" cy="0"/>
+        </a:xfrm>
+      </p:grpSpPr>
+      <p:sp>
+        <p:nvSpPr>
+          <p:cNvPr id="2" name="Title 1">
+            <a:extLst>
+              <a:ext uri="{FF2B5EF4-FFF2-40B4-BE49-F238E27FC236}">
+                <a16:creationId xmlns:a16="http://schemas.microsoft.com/office/drawing/2014/main" id="{BF0C7DCD-7654-0F7E-62BB-993701CDD301}"/>
+              </a:ext>
+            </a:extLst>
+          </p:cNvPr>
+          <p:cNvSpPr>
+            <a:spLocks noGrp="1"/>
+          </p:cNvSpPr>
+          <p:nvPr>
+            <p:ph type="title"/>
+          </p:nvPr>
+        </p:nvSpPr>
+        <p:spPr/>
+        <p:txBody>
+          <a:bodyPr>
+            <a:normAutofit/>
+          </a:bodyPr>
+          <a:lstStyle/>
+          <a:p>
+            <a:r>
+              <a:rPr lang="en-GB" b="1" dirty="0"/>
+              <a:t>Forward pass and backpropagation</a:t>
+            </a:r>
+            <a:endParaRPr b="1" dirty="0"/>
+          </a:p>
+        </p:txBody>
+      </p:sp>
+      <p:pic>
+        <p:nvPicPr>
+          <p:cNvPr id="3" name="Picture 2">
+            <a:extLst>
+              <a:ext uri="{FF2B5EF4-FFF2-40B4-BE49-F238E27FC236}">
+                <a16:creationId xmlns:a16="http://schemas.microsoft.com/office/drawing/2014/main" id="{ADAF721E-F213-CDCD-A651-1B2EAA11C30E}"/>
+              </a:ext>
+            </a:extLst>
+          </p:cNvPr>
+          <p:cNvPicPr>
+            <a:picLocks noChangeAspect="1"/>
+          </p:cNvPicPr>
+          <p:nvPr/>
+        </p:nvPicPr>
+        <p:blipFill>
+          <a:blip r:embed="rId2"/>
+          <a:stretch>
+            <a:fillRect/>
+          </a:stretch>
+        </p:blipFill>
+        <p:spPr>
+          <a:xfrm>
+            <a:off x="1899556" y="1402442"/>
+            <a:ext cx="8644347" cy="4802415"/>
+          </a:xfrm>
+          <a:prstGeom prst="rect">
+            <a:avLst/>
+          </a:prstGeom>
+        </p:spPr>
+      </p:pic>
+    </p:spTree>
+    <p:extLst>
+      <p:ext uri="{BB962C8B-B14F-4D97-AF65-F5344CB8AC3E}">
+        <p14:creationId xmlns:p14="http://schemas.microsoft.com/office/powerpoint/2010/main" val="4272612478"/>
+      </p:ext>
+    </p:extLst>
+  </p:cSld>
+  <p:clrMapOvr>
+    <a:masterClrMapping/>
+  </p:clrMapOvr>
+</p:sld>
+</file>
+
+<file path=ppt/slides/slide11.xml><?xml version="1.0" encoding="utf-8"?>
 <p:sld xmlns:a="http://schemas.openxmlformats.org/drawingml/2006/main" xmlns:r="http://schemas.openxmlformats.org/officeDocument/2006/relationships" xmlns:p="http://schemas.openxmlformats.org/presentationml/2006/main">
   <p:cSld>
     <p:spTree>
@@ -3905,7 +4489,7 @@
 </p:sld>
 </file>
 
-<file path=ppt/slides/slide11.xml><?xml version="1.0" encoding="utf-8"?>
+<file path=ppt/slides/slide12.xml><?xml version="1.0" encoding="utf-8"?>
 <p:sld xmlns:a="http://schemas.openxmlformats.org/drawingml/2006/main" xmlns:r="http://schemas.openxmlformats.org/officeDocument/2006/relationships" xmlns:p="http://schemas.openxmlformats.org/presentationml/2006/main">
   <p:cSld>
     <p:spTree>
@@ -3970,7 +4554,7 @@
 </p:sld>
 </file>
 
-<file path=ppt/slides/slide12.xml><?xml version="1.0" encoding="utf-8"?>
+<file path=ppt/slides/slide13.xml><?xml version="1.0" encoding="utf-8"?>
 <p:sld xmlns:a="http://schemas.openxmlformats.org/drawingml/2006/main" xmlns:r="http://schemas.openxmlformats.org/officeDocument/2006/relationships" xmlns:p="http://schemas.openxmlformats.org/presentationml/2006/main">
   <p:cSld>
     <p:spTree>
@@ -4067,7 +4651,7 @@
 </p:sld>
 </file>
 
-<file path=ppt/slides/slide13.xml><?xml version="1.0" encoding="utf-8"?>
+<file path=ppt/slides/slide14.xml><?xml version="1.0" encoding="utf-8"?>
 <p:sld xmlns:a="http://schemas.openxmlformats.org/drawingml/2006/main" xmlns:r="http://schemas.openxmlformats.org/officeDocument/2006/relationships" xmlns:p="http://schemas.openxmlformats.org/presentationml/2006/main">
   <p:cSld>
     <p:spTree>
@@ -4164,7 +4748,7 @@
 </p:sld>
 </file>
 
-<file path=ppt/slides/slide14.xml><?xml version="1.0" encoding="utf-8"?>
+<file path=ppt/slides/slide15.xml><?xml version="1.0" encoding="utf-8"?>
 <p:sld xmlns:a="http://schemas.openxmlformats.org/drawingml/2006/main" xmlns:r="http://schemas.openxmlformats.org/officeDocument/2006/relationships" xmlns:p="http://schemas.openxmlformats.org/presentationml/2006/main">
   <p:cSld>
     <p:spTree>
@@ -4261,135 +4845,6 @@
 </p:sld>
 </file>
 
-<file path=ppt/slides/slide15.xml><?xml version="1.0" encoding="utf-8"?>
-<p:sld xmlns:a="http://schemas.openxmlformats.org/drawingml/2006/main" xmlns:r="http://schemas.openxmlformats.org/officeDocument/2006/relationships" xmlns:p="http://schemas.openxmlformats.org/presentationml/2006/main">
-  <p:cSld>
-    <p:spTree>
-      <p:nvGrpSpPr>
-        <p:cNvPr id="1" name=""/>
-        <p:cNvGrpSpPr/>
-        <p:nvPr/>
-      </p:nvGrpSpPr>
-      <p:grpSpPr>
-        <a:xfrm>
-          <a:off x="0" y="0"/>
-          <a:ext cx="0" cy="0"/>
-          <a:chOff x="0" y="0"/>
-          <a:chExt cx="0" cy="0"/>
-        </a:xfrm>
-      </p:grpSpPr>
-      <p:sp>
-        <p:nvSpPr>
-          <p:cNvPr id="2" name="Title 1"/>
-          <p:cNvSpPr>
-            <a:spLocks noGrp="1"/>
-          </p:cNvSpPr>
-          <p:nvPr>
-            <p:ph type="title"/>
-          </p:nvPr>
-        </p:nvSpPr>
-        <p:spPr/>
-        <p:txBody>
-          <a:bodyPr/>
-          <a:lstStyle/>
-          <a:p>
-            <a:r>
-              <a:rPr lang="en-GB" b="1"/>
-              <a:t>Some terms</a:t>
-            </a:r>
-            <a:endParaRPr b="1"/>
-          </a:p>
-        </p:txBody>
-      </p:sp>
-      <p:sp>
-        <p:nvSpPr>
-          <p:cNvPr id="3" name="Content Placeholder 2"/>
-          <p:cNvSpPr>
-            <a:spLocks noGrp="1"/>
-          </p:cNvSpPr>
-          <p:nvPr>
-            <p:ph idx="1"/>
-          </p:nvPr>
-        </p:nvSpPr>
-        <p:spPr/>
-        <p:txBody>
-          <a:bodyPr>
-            <a:normAutofit/>
-          </a:bodyPr>
-          <a:lstStyle/>
-          <a:p>
-            <a:r>
-              <a:rPr sz="2400" b="1" dirty="0" err="1"/>
-              <a:t>ReLU</a:t>
-            </a:r>
-            <a:r>
-              <a:rPr sz="2400" dirty="0"/>
-              <a:t>: An activation function that introduces non-linearity by converting negative values to zero.</a:t>
-            </a:r>
-            <a:endParaRPr lang="en-GB" sz="2400" dirty="0"/>
-          </a:p>
-          <a:p>
-            <a:r>
-              <a:rPr sz="2400" b="1" dirty="0" err="1"/>
-              <a:t>Softmax</a:t>
-            </a:r>
-            <a:r>
-              <a:rPr sz="2400" dirty="0"/>
-              <a:t>: A function that converts outputs to probabilities, used in classification tasks.</a:t>
-            </a:r>
-            <a:endParaRPr lang="en-GB" sz="2400" dirty="0"/>
-          </a:p>
-          <a:p>
-            <a:r>
-              <a:rPr sz="2400" b="1" dirty="0"/>
-              <a:t>Pooling</a:t>
-            </a:r>
-            <a:r>
-              <a:rPr sz="2400" dirty="0"/>
-              <a:t>: A layer that reduces spatial dimensions, helping with feature abstraction and reducing computation.</a:t>
-            </a:r>
-            <a:endParaRPr lang="en-GB" sz="2400" dirty="0"/>
-          </a:p>
-          <a:p>
-            <a:r>
-              <a:rPr lang="en-GB" sz="2400" b="1" dirty="0"/>
-              <a:t>Loss function</a:t>
-            </a:r>
-            <a:r>
-              <a:rPr lang="en-GB" sz="2400" dirty="0"/>
-              <a:t>: a mathematical function that quantifies the deviation of the predictions from the actual targets.</a:t>
-            </a:r>
-          </a:p>
-          <a:p>
-            <a:r>
-              <a:rPr lang="en-GB" sz="2400" b="1" dirty="0"/>
-              <a:t>Optimizer</a:t>
-            </a:r>
-            <a:r>
-              <a:rPr lang="en-GB" sz="2400" dirty="0"/>
-              <a:t>: a method to alter the weights and biases to minimize the loss.</a:t>
-            </a:r>
-          </a:p>
-          <a:p>
-            <a:r>
-              <a:rPr lang="en-GB" sz="2400" b="1" dirty="0"/>
-              <a:t>Epoch</a:t>
-            </a:r>
-            <a:r>
-              <a:rPr lang="en-GB" sz="2400" dirty="0"/>
-              <a:t>: One complete pass through the entire training dataset</a:t>
-            </a:r>
-          </a:p>
-        </p:txBody>
-      </p:sp>
-    </p:spTree>
-  </p:cSld>
-  <p:clrMapOvr>
-    <a:masterClrMapping/>
-  </p:clrMapOvr>
-</p:sld>
-</file>
-
 <file path=ppt/slides/slide16.xml><?xml version="1.0" encoding="utf-8"?>
 <p:sld xmlns:a="http://schemas.openxmlformats.org/drawingml/2006/main" xmlns:r="http://schemas.openxmlformats.org/officeDocument/2006/relationships" xmlns:p="http://schemas.openxmlformats.org/presentationml/2006/main">
   <p:cSld>
@@ -4423,9 +4878,10 @@
           <a:lstStyle/>
           <a:p>
             <a:r>
-              <a:rPr b="1"/>
-              <a:t>What are Hyperparameters?</a:t>
-            </a:r>
+              <a:rPr lang="en-GB" b="1"/>
+              <a:t>Some terms</a:t>
+            </a:r>
+            <a:endParaRPr b="1"/>
           </a:p>
         </p:txBody>
       </p:sp>
@@ -4446,39 +4902,66 @@
           </a:bodyPr>
           <a:lstStyle/>
           <a:p>
-            <a:pPr marL="0" indent="0">
-              <a:buNone/>
-            </a:pPr>
+            <a:r>
+              <a:rPr sz="2400" b="1" dirty="0" err="1"/>
+              <a:t>ReLU</a:t>
+            </a:r>
             <a:r>
               <a:rPr sz="2400" dirty="0"/>
-              <a:t>Hyperparameters are configurations external to the model</a:t>
+              <a:t>: An activation function that introduces non-linearity by converting negative values to zero.</a:t>
+            </a:r>
+            <a:endParaRPr lang="en-GB" sz="2400" dirty="0"/>
+          </a:p>
+          <a:p>
+            <a:r>
+              <a:rPr sz="2400" b="1" dirty="0" err="1"/>
+              <a:t>Softmax</a:t>
+            </a:r>
+            <a:r>
+              <a:rPr sz="2400" dirty="0"/>
+              <a:t>: A function that converts outputs to probabilities, used in classification tasks.</a:t>
+            </a:r>
+            <a:endParaRPr lang="en-GB" sz="2400" dirty="0"/>
+          </a:p>
+          <a:p>
+            <a:r>
+              <a:rPr sz="2400" b="1" dirty="0"/>
+              <a:t>Pooling</a:t>
+            </a:r>
+            <a:r>
+              <a:rPr sz="2400" dirty="0"/>
+              <a:t>: A layer that reduces spatial dimensions, helping with feature abstraction and reducing computation.</a:t>
+            </a:r>
+            <a:endParaRPr lang="en-GB" sz="2400" dirty="0"/>
+          </a:p>
+          <a:p>
+            <a:r>
+              <a:rPr lang="en-GB" sz="2400" b="1" dirty="0"/>
+              <a:t>Loss function</a:t>
             </a:r>
             <a:r>
               <a:rPr lang="en-GB" sz="2400" dirty="0"/>
-              <a:t> which impact model performance and training efficiency</a:t>
-            </a:r>
-          </a:p>
-          <a:p>
-            <a:r>
-              <a:rPr sz="2400" dirty="0"/>
-              <a:t>learning rat</a:t>
+              <a:t>: a mathematical function that quantifies the deviation of the predictions from the actual targets.</a:t>
+            </a:r>
+          </a:p>
+          <a:p>
+            <a:r>
+              <a:rPr lang="en-GB" sz="2400" b="1" dirty="0"/>
+              <a:t>Optimizer</a:t>
             </a:r>
             <a:r>
               <a:rPr lang="en-GB" sz="2400" dirty="0"/>
-              <a:t>e</a:t>
-            </a:r>
-          </a:p>
-          <a:p>
-            <a:r>
-              <a:rPr sz="2400" dirty="0"/>
-              <a:t>batch size</a:t>
-            </a:r>
-            <a:endParaRPr lang="en-GB" sz="2400" dirty="0"/>
-          </a:p>
-          <a:p>
-            <a:r>
-              <a:rPr sz="2400" dirty="0"/>
-              <a:t>number of layers</a:t>
+              <a:t>: a method to alter the weights and biases to minimize the loss.</a:t>
+            </a:r>
+          </a:p>
+          <a:p>
+            <a:r>
+              <a:rPr lang="en-GB" sz="2400" b="1" dirty="0"/>
+              <a:t>Epoch</a:t>
+            </a:r>
+            <a:r>
+              <a:rPr lang="en-GB" sz="2400" dirty="0"/>
+              <a:t>: One complete pass through the entire training dataset</a:t>
             </a:r>
           </a:p>
         </p:txBody>
@@ -4492,6 +4975,107 @@
 </file>
 
 <file path=ppt/slides/slide17.xml><?xml version="1.0" encoding="utf-8"?>
+<p:sld xmlns:a="http://schemas.openxmlformats.org/drawingml/2006/main" xmlns:r="http://schemas.openxmlformats.org/officeDocument/2006/relationships" xmlns:p="http://schemas.openxmlformats.org/presentationml/2006/main">
+  <p:cSld>
+    <p:spTree>
+      <p:nvGrpSpPr>
+        <p:cNvPr id="1" name=""/>
+        <p:cNvGrpSpPr/>
+        <p:nvPr/>
+      </p:nvGrpSpPr>
+      <p:grpSpPr>
+        <a:xfrm>
+          <a:off x="0" y="0"/>
+          <a:ext cx="0" cy="0"/>
+          <a:chOff x="0" y="0"/>
+          <a:chExt cx="0" cy="0"/>
+        </a:xfrm>
+      </p:grpSpPr>
+      <p:sp>
+        <p:nvSpPr>
+          <p:cNvPr id="2" name="Title 1"/>
+          <p:cNvSpPr>
+            <a:spLocks noGrp="1"/>
+          </p:cNvSpPr>
+          <p:nvPr>
+            <p:ph type="title"/>
+          </p:nvPr>
+        </p:nvSpPr>
+        <p:spPr/>
+        <p:txBody>
+          <a:bodyPr/>
+          <a:lstStyle/>
+          <a:p>
+            <a:r>
+              <a:rPr b="1"/>
+              <a:t>What are Hyperparameters?</a:t>
+            </a:r>
+          </a:p>
+        </p:txBody>
+      </p:sp>
+      <p:sp>
+        <p:nvSpPr>
+          <p:cNvPr id="3" name="Content Placeholder 2"/>
+          <p:cNvSpPr>
+            <a:spLocks noGrp="1"/>
+          </p:cNvSpPr>
+          <p:nvPr>
+            <p:ph idx="1"/>
+          </p:nvPr>
+        </p:nvSpPr>
+        <p:spPr/>
+        <p:txBody>
+          <a:bodyPr>
+            <a:normAutofit/>
+          </a:bodyPr>
+          <a:lstStyle/>
+          <a:p>
+            <a:pPr marL="0" indent="0">
+              <a:buNone/>
+            </a:pPr>
+            <a:r>
+              <a:rPr sz="2400" dirty="0"/>
+              <a:t>Hyperparameters are configurations external to the model</a:t>
+            </a:r>
+            <a:r>
+              <a:rPr lang="en-GB" sz="2400" dirty="0"/>
+              <a:t> which impact model performance and training efficiency</a:t>
+            </a:r>
+          </a:p>
+          <a:p>
+            <a:r>
+              <a:rPr sz="2400" dirty="0"/>
+              <a:t>learning rat</a:t>
+            </a:r>
+            <a:r>
+              <a:rPr lang="en-GB" sz="2400" dirty="0"/>
+              <a:t>e</a:t>
+            </a:r>
+          </a:p>
+          <a:p>
+            <a:r>
+              <a:rPr sz="2400" dirty="0"/>
+              <a:t>batch size</a:t>
+            </a:r>
+            <a:endParaRPr lang="en-GB" sz="2400" dirty="0"/>
+          </a:p>
+          <a:p>
+            <a:r>
+              <a:rPr sz="2400" dirty="0"/>
+              <a:t>number of layers</a:t>
+            </a:r>
+          </a:p>
+        </p:txBody>
+      </p:sp>
+    </p:spTree>
+  </p:cSld>
+  <p:clrMapOvr>
+    <a:masterClrMapping/>
+  </p:clrMapOvr>
+</p:sld>
+</file>
+
+<file path=ppt/slides/slide18.xml><?xml version="1.0" encoding="utf-8"?>
 <p:sld xmlns:a="http://schemas.openxmlformats.org/drawingml/2006/main" xmlns:r="http://schemas.openxmlformats.org/officeDocument/2006/relationships" xmlns:p="http://schemas.openxmlformats.org/presentationml/2006/main">
   <p:cSld>
     <p:spTree>
@@ -4556,7 +5140,7 @@
 </p:sld>
 </file>
 
-<file path=ppt/slides/slide18.xml><?xml version="1.0" encoding="utf-8"?>
+<file path=ppt/slides/slide19.xml><?xml version="1.0" encoding="utf-8"?>
 <p:sld xmlns:a="http://schemas.openxmlformats.org/drawingml/2006/main" xmlns:r="http://schemas.openxmlformats.org/officeDocument/2006/relationships" xmlns:p="http://schemas.openxmlformats.org/presentationml/2006/main">
   <p:cSld>
     <p:spTree>
@@ -4760,7 +5344,116 @@
 </p:sld>
 </file>
 
-<file path=ppt/slides/slide19.xml><?xml version="1.0" encoding="utf-8"?>
+<file path=ppt/slides/slide2.xml><?xml version="1.0" encoding="utf-8"?>
+<p:sld xmlns:a="http://schemas.openxmlformats.org/drawingml/2006/main" xmlns:r="http://schemas.openxmlformats.org/officeDocument/2006/relationships" xmlns:p="http://schemas.openxmlformats.org/presentationml/2006/main">
+  <p:cSld>
+    <p:spTree>
+      <p:nvGrpSpPr>
+        <p:cNvPr id="1" name=""/>
+        <p:cNvGrpSpPr/>
+        <p:nvPr/>
+      </p:nvGrpSpPr>
+      <p:grpSpPr>
+        <a:xfrm>
+          <a:off x="0" y="0"/>
+          <a:ext cx="0" cy="0"/>
+          <a:chOff x="0" y="0"/>
+          <a:chExt cx="0" cy="0"/>
+        </a:xfrm>
+      </p:grpSpPr>
+      <p:sp>
+        <p:nvSpPr>
+          <p:cNvPr id="2" name="Title 1"/>
+          <p:cNvSpPr>
+            <a:spLocks noGrp="1"/>
+          </p:cNvSpPr>
+          <p:nvPr>
+            <p:ph type="title"/>
+          </p:nvPr>
+        </p:nvSpPr>
+        <p:spPr/>
+        <p:txBody>
+          <a:bodyPr/>
+          <a:lstStyle/>
+          <a:p>
+            <a:r>
+              <a:rPr lang="en-GB" b="1" dirty="0"/>
+              <a:t>Overview</a:t>
+            </a:r>
+            <a:endParaRPr b="1" dirty="0"/>
+          </a:p>
+        </p:txBody>
+      </p:sp>
+      <p:sp>
+        <p:nvSpPr>
+          <p:cNvPr id="3" name="Content Placeholder 2"/>
+          <p:cNvSpPr>
+            <a:spLocks noGrp="1"/>
+          </p:cNvSpPr>
+          <p:nvPr>
+            <p:ph idx="1"/>
+          </p:nvPr>
+        </p:nvSpPr>
+        <p:spPr/>
+        <p:txBody>
+          <a:bodyPr>
+            <a:normAutofit/>
+          </a:bodyPr>
+          <a:lstStyle/>
+          <a:p>
+            <a:r>
+              <a:rPr lang="en-GB" sz="2400" dirty="0"/>
+              <a:t>Intro to deep learning</a:t>
+            </a:r>
+          </a:p>
+          <a:p>
+            <a:r>
+              <a:rPr lang="en-GB" sz="2400" dirty="0"/>
+              <a:t>Intro to image data</a:t>
+            </a:r>
+          </a:p>
+          <a:p>
+            <a:r>
+              <a:rPr lang="en-GB" sz="2400" dirty="0"/>
+              <a:t>What is a neural network</a:t>
+            </a:r>
+          </a:p>
+          <a:p>
+            <a:r>
+              <a:rPr lang="en-GB" sz="2400" dirty="0"/>
+              <a:t>What is a convolutional neural network</a:t>
+            </a:r>
+          </a:p>
+          <a:p>
+            <a:r>
+              <a:rPr lang="en-GB" sz="2400" dirty="0"/>
+              <a:t>Terminology</a:t>
+            </a:r>
+          </a:p>
+          <a:p>
+            <a:r>
+              <a:rPr lang="en-GB" sz="2400" dirty="0"/>
+              <a:t>Fine-tuning a pre-trained network</a:t>
+            </a:r>
+          </a:p>
+          <a:p>
+            <a:r>
+              <a:rPr lang="en-GB" sz="2400" dirty="0"/>
+              <a:t>Other kinds of NNs</a:t>
+            </a:r>
+            <a:endParaRPr sz="2400" dirty="0"/>
+          </a:p>
+        </p:txBody>
+      </p:sp>
+    </p:spTree>
+  </p:cSld>
+  <p:clrMapOvr>
+    <a:masterClrMapping/>
+  </p:clrMapOvr>
+</p:sld>
+</file>
+
+<file path=ppt/slides/slide20.xml><?xml version="1.0" encoding="utf-8"?>
 <p:sld xmlns:a="http://schemas.openxmlformats.org/drawingml/2006/main" xmlns:r="http://schemas.openxmlformats.org/officeDocument/2006/relationships" xmlns:p="http://schemas.openxmlformats.org/presentationml/2006/main">
   <p:cSld>
     <p:spTree>
@@ -4914,7 +5607,332 @@
 </p:sld>
 </file>
 
-<file path=ppt/slides/slide2.xml><?xml version="1.0" encoding="utf-8"?>
+<file path=ppt/slides/slide21.xml><?xml version="1.0" encoding="utf-8"?>
+<p:sld xmlns:a="http://schemas.openxmlformats.org/drawingml/2006/main" xmlns:r="http://schemas.openxmlformats.org/officeDocument/2006/relationships" xmlns:p="http://schemas.openxmlformats.org/presentationml/2006/main">
+  <p:cSld>
+    <p:spTree>
+      <p:nvGrpSpPr>
+        <p:cNvPr id="1" name="">
+          <a:extLst>
+            <a:ext uri="{FF2B5EF4-FFF2-40B4-BE49-F238E27FC236}">
+              <a16:creationId xmlns:a16="http://schemas.microsoft.com/office/drawing/2014/main" id="{CB489ACA-91EF-885B-B756-020BC0BADBFA}"/>
+            </a:ext>
+          </a:extLst>
+        </p:cNvPr>
+        <p:cNvGrpSpPr/>
+        <p:nvPr/>
+      </p:nvGrpSpPr>
+      <p:grpSpPr>
+        <a:xfrm>
+          <a:off x="0" y="0"/>
+          <a:ext cx="0" cy="0"/>
+          <a:chOff x="0" y="0"/>
+          <a:chExt cx="0" cy="0"/>
+        </a:xfrm>
+      </p:grpSpPr>
+      <p:sp>
+        <p:nvSpPr>
+          <p:cNvPr id="2" name="Title 1">
+            <a:extLst>
+              <a:ext uri="{FF2B5EF4-FFF2-40B4-BE49-F238E27FC236}">
+                <a16:creationId xmlns:a16="http://schemas.microsoft.com/office/drawing/2014/main" id="{D53C4F4D-4C11-01F0-08A1-F5501CB6EC0D}"/>
+              </a:ext>
+            </a:extLst>
+          </p:cNvPr>
+          <p:cNvSpPr>
+            <a:spLocks noGrp="1"/>
+          </p:cNvSpPr>
+          <p:nvPr>
+            <p:ph type="title"/>
+          </p:nvPr>
+        </p:nvSpPr>
+        <p:spPr/>
+        <p:txBody>
+          <a:bodyPr/>
+          <a:lstStyle/>
+          <a:p>
+            <a:r>
+              <a:rPr lang="en-GB" b="1" dirty="0"/>
+              <a:t>Practical – using a pre-trained network</a:t>
+            </a:r>
+            <a:endParaRPr b="1" dirty="0"/>
+          </a:p>
+        </p:txBody>
+      </p:sp>
+    </p:spTree>
+    <p:extLst>
+      <p:ext uri="{BB962C8B-B14F-4D97-AF65-F5344CB8AC3E}">
+        <p14:creationId xmlns:p14="http://schemas.microsoft.com/office/powerpoint/2010/main" val="156460326"/>
+      </p:ext>
+    </p:extLst>
+  </p:cSld>
+  <p:clrMapOvr>
+    <a:masterClrMapping/>
+  </p:clrMapOvr>
+</p:sld>
+</file>
+
+<file path=ppt/slides/slide22.xml><?xml version="1.0" encoding="utf-8"?>
+<p:sld xmlns:a="http://schemas.openxmlformats.org/drawingml/2006/main" xmlns:r="http://schemas.openxmlformats.org/officeDocument/2006/relationships" xmlns:p="http://schemas.openxmlformats.org/presentationml/2006/main">
+  <p:cSld>
+    <p:spTree>
+      <p:nvGrpSpPr>
+        <p:cNvPr id="1" name=""/>
+        <p:cNvGrpSpPr/>
+        <p:nvPr/>
+      </p:nvGrpSpPr>
+      <p:grpSpPr>
+        <a:xfrm>
+          <a:off x="0" y="0"/>
+          <a:ext cx="0" cy="0"/>
+          <a:chOff x="0" y="0"/>
+          <a:chExt cx="0" cy="0"/>
+        </a:xfrm>
+      </p:grpSpPr>
+      <p:sp>
+        <p:nvSpPr>
+          <p:cNvPr id="2" name="Title 1"/>
+          <p:cNvSpPr>
+            <a:spLocks noGrp="1"/>
+          </p:cNvSpPr>
+          <p:nvPr>
+            <p:ph type="title"/>
+          </p:nvPr>
+        </p:nvSpPr>
+        <p:spPr/>
+        <p:txBody>
+          <a:bodyPr/>
+          <a:lstStyle/>
+          <a:p>
+            <a:r>
+              <a:rPr b="1"/>
+              <a:t>Transformer Models</a:t>
+            </a:r>
+          </a:p>
+        </p:txBody>
+      </p:sp>
+      <p:sp>
+        <p:nvSpPr>
+          <p:cNvPr id="3" name="Content Placeholder 2"/>
+          <p:cNvSpPr>
+            <a:spLocks noGrp="1"/>
+          </p:cNvSpPr>
+          <p:nvPr>
+            <p:ph idx="1"/>
+          </p:nvPr>
+        </p:nvSpPr>
+        <p:spPr/>
+        <p:txBody>
+          <a:bodyPr/>
+          <a:lstStyle/>
+          <a:p>
+            <a:r>
+              <a:rPr sz="2400" dirty="0"/>
+              <a:t>Transformers, initially developed for NLP, have been applied to image analysis</a:t>
+            </a:r>
+            <a:r>
+              <a:rPr lang="en-GB" sz="2400" dirty="0"/>
+              <a:t> (</a:t>
+            </a:r>
+            <a:r>
+              <a:rPr lang="en-GB" sz="2400" dirty="0" err="1"/>
+              <a:t>VisionTransformer</a:t>
+            </a:r>
+            <a:r>
+              <a:rPr lang="en-GB" sz="2400" dirty="0"/>
+              <a:t>)</a:t>
+            </a:r>
+          </a:p>
+          <a:p>
+            <a:r>
+              <a:rPr lang="en-GB" sz="2400" dirty="0"/>
+              <a:t>Self-attention</a:t>
+            </a:r>
+          </a:p>
+          <a:p>
+            <a:r>
+              <a:rPr lang="en-GB" sz="2400" dirty="0"/>
+              <a:t>Compared to CNNs:</a:t>
+            </a:r>
+          </a:p>
+          <a:p>
+            <a:pPr lvl="1"/>
+            <a:r>
+              <a:rPr dirty="0"/>
+              <a:t>Advantages: Better handling of long-range dependencies, flexibility in tasks.</a:t>
+            </a:r>
+            <a:endParaRPr lang="en-GB" dirty="0"/>
+          </a:p>
+          <a:p>
+            <a:pPr lvl="1"/>
+            <a:r>
+              <a:rPr dirty="0"/>
+              <a:t>Disadvantages: Higher computational cost, especially for large inputs.</a:t>
+            </a:r>
+          </a:p>
+        </p:txBody>
+      </p:sp>
+    </p:spTree>
+  </p:cSld>
+  <p:clrMapOvr>
+    <a:masterClrMapping/>
+  </p:clrMapOvr>
+</p:sld>
+</file>
+
+<file path=ppt/slides/slide23.xml><?xml version="1.0" encoding="utf-8"?>
+<p:sld xmlns:a="http://schemas.openxmlformats.org/drawingml/2006/main" xmlns:r="http://schemas.openxmlformats.org/officeDocument/2006/relationships" xmlns:p="http://schemas.openxmlformats.org/presentationml/2006/main">
+  <p:cSld>
+    <p:spTree>
+      <p:nvGrpSpPr>
+        <p:cNvPr id="1" name="">
+          <a:extLst>
+            <a:ext uri="{FF2B5EF4-FFF2-40B4-BE49-F238E27FC236}">
+              <a16:creationId xmlns:a16="http://schemas.microsoft.com/office/drawing/2014/main" id="{054C75DA-DE92-7057-01D7-67D0147C0A48}"/>
+            </a:ext>
+          </a:extLst>
+        </p:cNvPr>
+        <p:cNvGrpSpPr/>
+        <p:nvPr/>
+      </p:nvGrpSpPr>
+      <p:grpSpPr>
+        <a:xfrm>
+          <a:off x="0" y="0"/>
+          <a:ext cx="0" cy="0"/>
+          <a:chOff x="0" y="0"/>
+          <a:chExt cx="0" cy="0"/>
+        </a:xfrm>
+      </p:grpSpPr>
+      <p:sp>
+        <p:nvSpPr>
+          <p:cNvPr id="2" name="Title 1">
+            <a:extLst>
+              <a:ext uri="{FF2B5EF4-FFF2-40B4-BE49-F238E27FC236}">
+                <a16:creationId xmlns:a16="http://schemas.microsoft.com/office/drawing/2014/main" id="{DC559DA7-89CE-8DD9-FEFE-E7DEB9441DF5}"/>
+              </a:ext>
+            </a:extLst>
+          </p:cNvPr>
+          <p:cNvSpPr>
+            <a:spLocks noGrp="1"/>
+          </p:cNvSpPr>
+          <p:nvPr>
+            <p:ph type="title"/>
+          </p:nvPr>
+        </p:nvSpPr>
+        <p:spPr/>
+        <p:txBody>
+          <a:bodyPr/>
+          <a:lstStyle/>
+          <a:p>
+            <a:r>
+              <a:rPr lang="en-GB" b="1" dirty="0"/>
+              <a:t>Additional resources</a:t>
+            </a:r>
+            <a:endParaRPr b="1" dirty="0"/>
+          </a:p>
+        </p:txBody>
+      </p:sp>
+      <p:sp>
+        <p:nvSpPr>
+          <p:cNvPr id="3" name="Content Placeholder 2">
+            <a:extLst>
+              <a:ext uri="{FF2B5EF4-FFF2-40B4-BE49-F238E27FC236}">
+                <a16:creationId xmlns:a16="http://schemas.microsoft.com/office/drawing/2014/main" id="{DF90FF86-7EE9-C4C0-876F-28A8B03BCBB1}"/>
+              </a:ext>
+            </a:extLst>
+          </p:cNvPr>
+          <p:cNvSpPr>
+            <a:spLocks noGrp="1"/>
+          </p:cNvSpPr>
+          <p:nvPr>
+            <p:ph idx="1"/>
+          </p:nvPr>
+        </p:nvSpPr>
+        <p:spPr/>
+        <p:txBody>
+          <a:bodyPr/>
+          <a:lstStyle/>
+          <a:p>
+            <a:r>
+              <a:rPr lang="en-GB" sz="2400" dirty="0"/>
+              <a:t>Hands-on Machine Learning </a:t>
+            </a:r>
+            <a:r>
+              <a:rPr lang="en-GB" sz="2400" dirty="0">
+                <a:hlinkClick r:id="rId2"/>
+              </a:rPr>
+              <a:t>https://www.oreilly.com/library/view/hands-on-machine-learning/9781098125967/</a:t>
+            </a:r>
+            <a:r>
+              <a:rPr lang="en-GB" sz="2400" dirty="0"/>
+              <a:t> </a:t>
+            </a:r>
+          </a:p>
+          <a:p>
+            <a:r>
+              <a:rPr lang="en-GB" sz="2400" dirty="0"/>
+              <a:t>Deep Learning from scratch </a:t>
+            </a:r>
+            <a:r>
+              <a:rPr lang="en-GB" sz="2400" dirty="0">
+                <a:hlinkClick r:id="rId3"/>
+              </a:rPr>
+              <a:t>https://www.oreilly.com/library/view/deep-learning-from/9781492041405/</a:t>
+            </a:r>
+            <a:r>
+              <a:rPr lang="en-GB" sz="2400" dirty="0"/>
+              <a:t> </a:t>
+            </a:r>
+          </a:p>
+          <a:p>
+            <a:r>
+              <a:rPr lang="en-GB" sz="2400" dirty="0"/>
+              <a:t>CNN explainer </a:t>
+            </a:r>
+            <a:r>
+              <a:rPr lang="en-GB" sz="2400" dirty="0">
+                <a:hlinkClick r:id="rId4"/>
+              </a:rPr>
+              <a:t>https://poloclub.github.io/cnn-explainer/</a:t>
+            </a:r>
+            <a:r>
+              <a:rPr lang="en-GB" sz="2400" dirty="0"/>
+              <a:t> </a:t>
+            </a:r>
+          </a:p>
+          <a:p>
+            <a:r>
+              <a:rPr lang="en-GB" sz="2400" dirty="0"/>
+              <a:t>Dive into DL </a:t>
+            </a:r>
+            <a:r>
+              <a:rPr lang="en-GB" sz="2400" dirty="0">
+                <a:hlinkClick r:id="rId5"/>
+              </a:rPr>
+              <a:t>https://www.d2l.ai/index.html</a:t>
+            </a:r>
+            <a:r>
+              <a:rPr lang="en-GB" sz="2400" dirty="0"/>
+              <a:t> </a:t>
+            </a:r>
+            <a:endParaRPr lang="en-GB" dirty="0"/>
+          </a:p>
+        </p:txBody>
+      </p:sp>
+    </p:spTree>
+    <p:extLst>
+      <p:ext uri="{BB962C8B-B14F-4D97-AF65-F5344CB8AC3E}">
+        <p14:creationId xmlns:p14="http://schemas.microsoft.com/office/powerpoint/2010/main" val="726912126"/>
+      </p:ext>
+    </p:extLst>
+  </p:cSld>
+  <p:clrMapOvr>
+    <a:masterClrMapping/>
+  </p:clrMapOvr>
+</p:sld>
+</file>
+
+<file path=ppt/slides/slide3.xml><?xml version="1.0" encoding="utf-8"?>
 <p:sld xmlns:a="http://schemas.openxmlformats.org/drawingml/2006/main" xmlns:r="http://schemas.openxmlformats.org/officeDocument/2006/relationships" xmlns:p="http://schemas.openxmlformats.org/presentationml/2006/main">
   <p:cSld>
     <p:spTree>
@@ -5052,332 +6070,7 @@
 </p:sld>
 </file>
 
-<file path=ppt/slides/slide20.xml><?xml version="1.0" encoding="utf-8"?>
-<p:sld xmlns:a="http://schemas.openxmlformats.org/drawingml/2006/main" xmlns:r="http://schemas.openxmlformats.org/officeDocument/2006/relationships" xmlns:p="http://schemas.openxmlformats.org/presentationml/2006/main">
-  <p:cSld>
-    <p:spTree>
-      <p:nvGrpSpPr>
-        <p:cNvPr id="1" name="">
-          <a:extLst>
-            <a:ext uri="{FF2B5EF4-FFF2-40B4-BE49-F238E27FC236}">
-              <a16:creationId xmlns:a16="http://schemas.microsoft.com/office/drawing/2014/main" id="{CB489ACA-91EF-885B-B756-020BC0BADBFA}"/>
-            </a:ext>
-          </a:extLst>
-        </p:cNvPr>
-        <p:cNvGrpSpPr/>
-        <p:nvPr/>
-      </p:nvGrpSpPr>
-      <p:grpSpPr>
-        <a:xfrm>
-          <a:off x="0" y="0"/>
-          <a:ext cx="0" cy="0"/>
-          <a:chOff x="0" y="0"/>
-          <a:chExt cx="0" cy="0"/>
-        </a:xfrm>
-      </p:grpSpPr>
-      <p:sp>
-        <p:nvSpPr>
-          <p:cNvPr id="2" name="Title 1">
-            <a:extLst>
-              <a:ext uri="{FF2B5EF4-FFF2-40B4-BE49-F238E27FC236}">
-                <a16:creationId xmlns:a16="http://schemas.microsoft.com/office/drawing/2014/main" id="{D53C4F4D-4C11-01F0-08A1-F5501CB6EC0D}"/>
-              </a:ext>
-            </a:extLst>
-          </p:cNvPr>
-          <p:cNvSpPr>
-            <a:spLocks noGrp="1"/>
-          </p:cNvSpPr>
-          <p:nvPr>
-            <p:ph type="title"/>
-          </p:nvPr>
-        </p:nvSpPr>
-        <p:spPr/>
-        <p:txBody>
-          <a:bodyPr/>
-          <a:lstStyle/>
-          <a:p>
-            <a:r>
-              <a:rPr lang="en-GB" b="1" dirty="0"/>
-              <a:t>Practical – using a pre-trained network</a:t>
-            </a:r>
-            <a:endParaRPr b="1" dirty="0"/>
-          </a:p>
-        </p:txBody>
-      </p:sp>
-    </p:spTree>
-    <p:extLst>
-      <p:ext uri="{BB962C8B-B14F-4D97-AF65-F5344CB8AC3E}">
-        <p14:creationId xmlns:p14="http://schemas.microsoft.com/office/powerpoint/2010/main" val="156460326"/>
-      </p:ext>
-    </p:extLst>
-  </p:cSld>
-  <p:clrMapOvr>
-    <a:masterClrMapping/>
-  </p:clrMapOvr>
-</p:sld>
-</file>
-
-<file path=ppt/slides/slide21.xml><?xml version="1.0" encoding="utf-8"?>
-<p:sld xmlns:a="http://schemas.openxmlformats.org/drawingml/2006/main" xmlns:r="http://schemas.openxmlformats.org/officeDocument/2006/relationships" xmlns:p="http://schemas.openxmlformats.org/presentationml/2006/main">
-  <p:cSld>
-    <p:spTree>
-      <p:nvGrpSpPr>
-        <p:cNvPr id="1" name=""/>
-        <p:cNvGrpSpPr/>
-        <p:nvPr/>
-      </p:nvGrpSpPr>
-      <p:grpSpPr>
-        <a:xfrm>
-          <a:off x="0" y="0"/>
-          <a:ext cx="0" cy="0"/>
-          <a:chOff x="0" y="0"/>
-          <a:chExt cx="0" cy="0"/>
-        </a:xfrm>
-      </p:grpSpPr>
-      <p:sp>
-        <p:nvSpPr>
-          <p:cNvPr id="2" name="Title 1"/>
-          <p:cNvSpPr>
-            <a:spLocks noGrp="1"/>
-          </p:cNvSpPr>
-          <p:nvPr>
-            <p:ph type="title"/>
-          </p:nvPr>
-        </p:nvSpPr>
-        <p:spPr/>
-        <p:txBody>
-          <a:bodyPr/>
-          <a:lstStyle/>
-          <a:p>
-            <a:r>
-              <a:rPr b="1"/>
-              <a:t>Transformer Models</a:t>
-            </a:r>
-          </a:p>
-        </p:txBody>
-      </p:sp>
-      <p:sp>
-        <p:nvSpPr>
-          <p:cNvPr id="3" name="Content Placeholder 2"/>
-          <p:cNvSpPr>
-            <a:spLocks noGrp="1"/>
-          </p:cNvSpPr>
-          <p:nvPr>
-            <p:ph idx="1"/>
-          </p:nvPr>
-        </p:nvSpPr>
-        <p:spPr/>
-        <p:txBody>
-          <a:bodyPr/>
-          <a:lstStyle/>
-          <a:p>
-            <a:r>
-              <a:rPr sz="2400" dirty="0"/>
-              <a:t>Transformers, initially developed for NLP, have been applied to image analysis</a:t>
-            </a:r>
-            <a:r>
-              <a:rPr lang="en-GB" sz="2400" dirty="0"/>
-              <a:t> (</a:t>
-            </a:r>
-            <a:r>
-              <a:rPr lang="en-GB" sz="2400" dirty="0" err="1"/>
-              <a:t>VisionTransformer</a:t>
-            </a:r>
-            <a:r>
-              <a:rPr lang="en-GB" sz="2400" dirty="0"/>
-              <a:t>)</a:t>
-            </a:r>
-          </a:p>
-          <a:p>
-            <a:r>
-              <a:rPr lang="en-GB" sz="2400" dirty="0"/>
-              <a:t>Self-attention</a:t>
-            </a:r>
-          </a:p>
-          <a:p>
-            <a:r>
-              <a:rPr lang="en-GB" sz="2400" dirty="0"/>
-              <a:t>Compared to CNNs:</a:t>
-            </a:r>
-          </a:p>
-          <a:p>
-            <a:pPr lvl="1"/>
-            <a:r>
-              <a:rPr dirty="0"/>
-              <a:t>Advantages: Better handling of long-range dependencies, flexibility in tasks.</a:t>
-            </a:r>
-            <a:endParaRPr lang="en-GB" dirty="0"/>
-          </a:p>
-          <a:p>
-            <a:pPr lvl="1"/>
-            <a:r>
-              <a:rPr dirty="0"/>
-              <a:t>Disadvantages: Higher computational cost, especially for large inputs.</a:t>
-            </a:r>
-          </a:p>
-        </p:txBody>
-      </p:sp>
-    </p:spTree>
-  </p:cSld>
-  <p:clrMapOvr>
-    <a:masterClrMapping/>
-  </p:clrMapOvr>
-</p:sld>
-</file>
-
-<file path=ppt/slides/slide22.xml><?xml version="1.0" encoding="utf-8"?>
-<p:sld xmlns:a="http://schemas.openxmlformats.org/drawingml/2006/main" xmlns:r="http://schemas.openxmlformats.org/officeDocument/2006/relationships" xmlns:p="http://schemas.openxmlformats.org/presentationml/2006/main">
-  <p:cSld>
-    <p:spTree>
-      <p:nvGrpSpPr>
-        <p:cNvPr id="1" name="">
-          <a:extLst>
-            <a:ext uri="{FF2B5EF4-FFF2-40B4-BE49-F238E27FC236}">
-              <a16:creationId xmlns:a16="http://schemas.microsoft.com/office/drawing/2014/main" id="{054C75DA-DE92-7057-01D7-67D0147C0A48}"/>
-            </a:ext>
-          </a:extLst>
-        </p:cNvPr>
-        <p:cNvGrpSpPr/>
-        <p:nvPr/>
-      </p:nvGrpSpPr>
-      <p:grpSpPr>
-        <a:xfrm>
-          <a:off x="0" y="0"/>
-          <a:ext cx="0" cy="0"/>
-          <a:chOff x="0" y="0"/>
-          <a:chExt cx="0" cy="0"/>
-        </a:xfrm>
-      </p:grpSpPr>
-      <p:sp>
-        <p:nvSpPr>
-          <p:cNvPr id="2" name="Title 1">
-            <a:extLst>
-              <a:ext uri="{FF2B5EF4-FFF2-40B4-BE49-F238E27FC236}">
-                <a16:creationId xmlns:a16="http://schemas.microsoft.com/office/drawing/2014/main" id="{DC559DA7-89CE-8DD9-FEFE-E7DEB9441DF5}"/>
-              </a:ext>
-            </a:extLst>
-          </p:cNvPr>
-          <p:cNvSpPr>
-            <a:spLocks noGrp="1"/>
-          </p:cNvSpPr>
-          <p:nvPr>
-            <p:ph type="title"/>
-          </p:nvPr>
-        </p:nvSpPr>
-        <p:spPr/>
-        <p:txBody>
-          <a:bodyPr/>
-          <a:lstStyle/>
-          <a:p>
-            <a:r>
-              <a:rPr lang="en-GB" b="1" dirty="0"/>
-              <a:t>Additional resources</a:t>
-            </a:r>
-            <a:endParaRPr b="1" dirty="0"/>
-          </a:p>
-        </p:txBody>
-      </p:sp>
-      <p:sp>
-        <p:nvSpPr>
-          <p:cNvPr id="3" name="Content Placeholder 2">
-            <a:extLst>
-              <a:ext uri="{FF2B5EF4-FFF2-40B4-BE49-F238E27FC236}">
-                <a16:creationId xmlns:a16="http://schemas.microsoft.com/office/drawing/2014/main" id="{DF90FF86-7EE9-C4C0-876F-28A8B03BCBB1}"/>
-              </a:ext>
-            </a:extLst>
-          </p:cNvPr>
-          <p:cNvSpPr>
-            <a:spLocks noGrp="1"/>
-          </p:cNvSpPr>
-          <p:nvPr>
-            <p:ph idx="1"/>
-          </p:nvPr>
-        </p:nvSpPr>
-        <p:spPr/>
-        <p:txBody>
-          <a:bodyPr/>
-          <a:lstStyle/>
-          <a:p>
-            <a:r>
-              <a:rPr lang="en-GB" sz="2400" dirty="0"/>
-              <a:t>Hands-on Machine Learning </a:t>
-            </a:r>
-            <a:r>
-              <a:rPr lang="en-GB" sz="2400" dirty="0">
-                <a:hlinkClick r:id="rId2"/>
-              </a:rPr>
-              <a:t>https://www.oreilly.com/library/view/hands-on-machine-learning/9781098125967/</a:t>
-            </a:r>
-            <a:r>
-              <a:rPr lang="en-GB" sz="2400" dirty="0"/>
-              <a:t> </a:t>
-            </a:r>
-          </a:p>
-          <a:p>
-            <a:r>
-              <a:rPr lang="en-GB" sz="2400" dirty="0"/>
-              <a:t>Deep Learning from scratch </a:t>
-            </a:r>
-            <a:r>
-              <a:rPr lang="en-GB" sz="2400" dirty="0">
-                <a:hlinkClick r:id="rId3"/>
-              </a:rPr>
-              <a:t>https://www.oreilly.com/library/view/deep-learning-from/9781492041405/</a:t>
-            </a:r>
-            <a:r>
-              <a:rPr lang="en-GB" sz="2400" dirty="0"/>
-              <a:t> </a:t>
-            </a:r>
-          </a:p>
-          <a:p>
-            <a:r>
-              <a:rPr lang="en-GB" sz="2400" dirty="0"/>
-              <a:t>CNN explainer </a:t>
-            </a:r>
-            <a:r>
-              <a:rPr lang="en-GB" sz="2400" dirty="0">
-                <a:hlinkClick r:id="rId4"/>
-              </a:rPr>
-              <a:t>https://poloclub.github.io/cnn-explainer/</a:t>
-            </a:r>
-            <a:r>
-              <a:rPr lang="en-GB" sz="2400" dirty="0"/>
-              <a:t> </a:t>
-            </a:r>
-          </a:p>
-          <a:p>
-            <a:r>
-              <a:rPr lang="en-GB" sz="2400" dirty="0"/>
-              <a:t>Dive into DL </a:t>
-            </a:r>
-            <a:r>
-              <a:rPr lang="en-GB" sz="2400" dirty="0">
-                <a:hlinkClick r:id="rId5"/>
-              </a:rPr>
-              <a:t>https://www.d2l.ai/index.html</a:t>
-            </a:r>
-            <a:r>
-              <a:rPr lang="en-GB" sz="2400" dirty="0"/>
-              <a:t> </a:t>
-            </a:r>
-            <a:endParaRPr lang="en-GB" dirty="0"/>
-          </a:p>
-        </p:txBody>
-      </p:sp>
-    </p:spTree>
-    <p:extLst>
-      <p:ext uri="{BB962C8B-B14F-4D97-AF65-F5344CB8AC3E}">
-        <p14:creationId xmlns:p14="http://schemas.microsoft.com/office/powerpoint/2010/main" val="726912126"/>
-      </p:ext>
-    </p:extLst>
-  </p:cSld>
-  <p:clrMapOvr>
-    <a:masterClrMapping/>
-  </p:clrMapOvr>
-</p:sld>
-</file>
-
-<file path=ppt/slides/slide3.xml><?xml version="1.0" encoding="utf-8"?>
+<file path=ppt/slides/slide4.xml><?xml version="1.0" encoding="utf-8"?>
 <p:sld xmlns:a="http://schemas.openxmlformats.org/drawingml/2006/main" xmlns:r="http://schemas.openxmlformats.org/officeDocument/2006/relationships" xmlns:p="http://schemas.openxmlformats.org/presentationml/2006/main">
   <p:cSld>
     <p:spTree>
@@ -5817,7 +6510,7 @@
 </p:sld>
 </file>
 
-<file path=ppt/slides/slide4.xml><?xml version="1.0" encoding="utf-8"?>
+<file path=ppt/slides/slide5.xml><?xml version="1.0" encoding="utf-8"?>
 <p:sld xmlns:a="http://schemas.openxmlformats.org/drawingml/2006/main" xmlns:r="http://schemas.openxmlformats.org/officeDocument/2006/relationships" xmlns:p="http://schemas.openxmlformats.org/presentationml/2006/main">
   <p:cSld>
     <p:spTree>
@@ -5882,7 +6575,7 @@
 </p:sld>
 </file>
 
-<file path=ppt/slides/slide5.xml><?xml version="1.0" encoding="utf-8"?>
+<file path=ppt/slides/slide6.xml><?xml version="1.0" encoding="utf-8"?>
 <p:sld xmlns:a="http://schemas.openxmlformats.org/drawingml/2006/main" xmlns:r="http://schemas.openxmlformats.org/officeDocument/2006/relationships" xmlns:p="http://schemas.openxmlformats.org/presentationml/2006/main">
   <p:cSld>
     <p:spTree>
@@ -6074,7 +6767,7 @@
 </p:sld>
 </file>
 
-<file path=ppt/slides/slide6.xml><?xml version="1.0" encoding="utf-8"?>
+<file path=ppt/slides/slide7.xml><?xml version="1.0" encoding="utf-8"?>
 <p:sld xmlns:a="http://schemas.openxmlformats.org/drawingml/2006/main" xmlns:r="http://schemas.openxmlformats.org/officeDocument/2006/relationships" xmlns:p="http://schemas.openxmlformats.org/presentationml/2006/main">
   <p:cSld>
     <p:spTree>
@@ -6161,7 +6854,7 @@
 </p:sld>
 </file>
 
-<file path=ppt/slides/slide7.xml><?xml version="1.0" encoding="utf-8"?>
+<file path=ppt/slides/slide8.xml><?xml version="1.0" encoding="utf-8"?>
 <p:sld xmlns:a="http://schemas.openxmlformats.org/drawingml/2006/main" xmlns:r="http://schemas.openxmlformats.org/officeDocument/2006/relationships" xmlns:p="http://schemas.openxmlformats.org/presentationml/2006/main">
   <p:cSld>
     <p:spTree>
@@ -6343,7 +7036,7 @@
 </p:sld>
 </file>
 
-<file path=ppt/slides/slide8.xml><?xml version="1.0" encoding="utf-8"?>
+<file path=ppt/slides/slide9.xml><?xml version="1.0" encoding="utf-8"?>
 <p:sld xmlns:a="http://schemas.openxmlformats.org/drawingml/2006/main" xmlns:r="http://schemas.openxmlformats.org/officeDocument/2006/relationships" xmlns:p="http://schemas.openxmlformats.org/presentationml/2006/main">
   <p:cSld>
     <p:spTree>
@@ -6489,103 +7182,6 @@
     <p:extLst>
       <p:ext uri="{BB962C8B-B14F-4D97-AF65-F5344CB8AC3E}">
         <p14:creationId xmlns:p14="http://schemas.microsoft.com/office/powerpoint/2010/main" val="2283339705"/>
-      </p:ext>
-    </p:extLst>
-  </p:cSld>
-  <p:clrMapOvr>
-    <a:masterClrMapping/>
-  </p:clrMapOvr>
-</p:sld>
-</file>
-
-<file path=ppt/slides/slide9.xml><?xml version="1.0" encoding="utf-8"?>
-<p:sld xmlns:a="http://schemas.openxmlformats.org/drawingml/2006/main" xmlns:r="http://schemas.openxmlformats.org/officeDocument/2006/relationships" xmlns:p="http://schemas.openxmlformats.org/presentationml/2006/main">
-  <p:cSld>
-    <p:spTree>
-      <p:nvGrpSpPr>
-        <p:cNvPr id="1" name="">
-          <a:extLst>
-            <a:ext uri="{FF2B5EF4-FFF2-40B4-BE49-F238E27FC236}">
-              <a16:creationId xmlns:a16="http://schemas.microsoft.com/office/drawing/2014/main" id="{C6566D25-628C-FC55-F498-9E917B4A8B43}"/>
-            </a:ext>
-          </a:extLst>
-        </p:cNvPr>
-        <p:cNvGrpSpPr/>
-        <p:nvPr/>
-      </p:nvGrpSpPr>
-      <p:grpSpPr>
-        <a:xfrm>
-          <a:off x="0" y="0"/>
-          <a:ext cx="0" cy="0"/>
-          <a:chOff x="0" y="0"/>
-          <a:chExt cx="0" cy="0"/>
-        </a:xfrm>
-      </p:grpSpPr>
-      <p:sp>
-        <p:nvSpPr>
-          <p:cNvPr id="2" name="Title 1">
-            <a:extLst>
-              <a:ext uri="{FF2B5EF4-FFF2-40B4-BE49-F238E27FC236}">
-                <a16:creationId xmlns:a16="http://schemas.microsoft.com/office/drawing/2014/main" id="{BF0C7DCD-7654-0F7E-62BB-993701CDD301}"/>
-              </a:ext>
-            </a:extLst>
-          </p:cNvPr>
-          <p:cNvSpPr>
-            <a:spLocks noGrp="1"/>
-          </p:cNvSpPr>
-          <p:nvPr>
-            <p:ph type="title"/>
-          </p:nvPr>
-        </p:nvSpPr>
-        <p:spPr/>
-        <p:txBody>
-          <a:bodyPr>
-            <a:normAutofit/>
-          </a:bodyPr>
-          <a:lstStyle/>
-          <a:p>
-            <a:r>
-              <a:rPr lang="en-GB" b="1" dirty="0"/>
-              <a:t>Forward pass and backpropagation</a:t>
-            </a:r>
-            <a:endParaRPr b="1" dirty="0"/>
-          </a:p>
-        </p:txBody>
-      </p:sp>
-      <p:pic>
-        <p:nvPicPr>
-          <p:cNvPr id="3" name="Picture 2">
-            <a:extLst>
-              <a:ext uri="{FF2B5EF4-FFF2-40B4-BE49-F238E27FC236}">
-                <a16:creationId xmlns:a16="http://schemas.microsoft.com/office/drawing/2014/main" id="{ADAF721E-F213-CDCD-A651-1B2EAA11C30E}"/>
-              </a:ext>
-            </a:extLst>
-          </p:cNvPr>
-          <p:cNvPicPr>
-            <a:picLocks noChangeAspect="1"/>
-          </p:cNvPicPr>
-          <p:nvPr/>
-        </p:nvPicPr>
-        <p:blipFill>
-          <a:blip r:embed="rId2"/>
-          <a:stretch>
-            <a:fillRect/>
-          </a:stretch>
-        </p:blipFill>
-        <p:spPr>
-          <a:xfrm>
-            <a:off x="1899556" y="1402442"/>
-            <a:ext cx="8644347" cy="4802415"/>
-          </a:xfrm>
-          <a:prstGeom prst="rect">
-            <a:avLst/>
-          </a:prstGeom>
-        </p:spPr>
-      </p:pic>
-    </p:spTree>
-    <p:extLst>
-      <p:ext uri="{BB962C8B-B14F-4D97-AF65-F5344CB8AC3E}">
-        <p14:creationId xmlns:p14="http://schemas.microsoft.com/office/powerpoint/2010/main" val="4272612478"/>
       </p:ext>
     </p:extLst>
   </p:cSld>
@@ -6908,4 +7504,319 @@
     </a:ext>
   </a:extLst>
 </a:theme>
+</file>
+
+<file path=ppt/theme/theme2.xml><?xml version="1.0" encoding="utf-8"?>
+<a:theme xmlns:a="http://schemas.openxmlformats.org/drawingml/2006/main" name="Office Theme">
+  <a:themeElements>
+    <a:clrScheme name="Office">
+      <a:dk1>
+        <a:sysClr val="windowText" lastClr="000000"/>
+      </a:dk1>
+      <a:lt1>
+        <a:sysClr val="window" lastClr="FFFFFF"/>
+      </a:lt1>
+      <a:dk2>
+        <a:srgbClr val="0E2841"/>
+      </a:dk2>
+      <a:lt2>
+        <a:srgbClr val="E8E8E8"/>
+      </a:lt2>
+      <a:accent1>
+        <a:srgbClr val="156082"/>
+      </a:accent1>
+      <a:accent2>
+        <a:srgbClr val="E97132"/>
+      </a:accent2>
+      <a:accent3>
+        <a:srgbClr val="196B24"/>
+      </a:accent3>
+      <a:accent4>
+        <a:srgbClr val="0F9ED5"/>
+      </a:accent4>
+      <a:accent5>
+        <a:srgbClr val="A02B93"/>
+      </a:accent5>
+      <a:accent6>
+        <a:srgbClr val="4EA72E"/>
+      </a:accent6>
+      <a:hlink>
+        <a:srgbClr val="467886"/>
+      </a:hlink>
+      <a:folHlink>
+        <a:srgbClr val="96607D"/>
+      </a:folHlink>
+    </a:clrScheme>
+    <a:fontScheme name="Office">
+      <a:majorFont>
+        <a:latin typeface="Aptos Display" panose="02110004020202020204"/>
+        <a:ea typeface=""/>
+        <a:cs typeface=""/>
+        <a:font script="Jpan" typeface="游ゴシック Light"/>
+        <a:font script="Hang" typeface="맑은 고딕"/>
+        <a:font script="Hans" typeface="等线 Light"/>
+        <a:font script="Hant" typeface="新細明體"/>
+        <a:font script="Arab" typeface="Times New Roman"/>
+        <a:font script="Hebr" typeface="Times New Roman"/>
+        <a:font script="Thai" typeface="Angsana New"/>
+        <a:font script="Ethi" typeface="Nyala"/>
+        <a:font script="Beng" typeface="Vrinda"/>
+        <a:font script="Gujr" typeface="Shruti"/>
+        <a:font script="Khmr" typeface="MoolBoran"/>
+        <a:font script="Knda" typeface="Tunga"/>
+        <a:font script="Guru" typeface="Raavi"/>
+        <a:font script="Cans" typeface="Euphemia"/>
+        <a:font script="Cher" typeface="Plantagenet Cherokee"/>
+        <a:font script="Yiii" typeface="Microsoft Yi Baiti"/>
+        <a:font script="Tibt" typeface="Microsoft Himalaya"/>
+        <a:font script="Thaa" typeface="MV Boli"/>
+        <a:font script="Deva" typeface="Mangal"/>
+        <a:font script="Telu" typeface="Gautami"/>
+        <a:font script="Taml" typeface="Latha"/>
+        <a:font script="Syrc" typeface="Estrangelo Edessa"/>
+        <a:font script="Orya" typeface="Kalinga"/>
+        <a:font script="Mlym" typeface="Kartika"/>
+        <a:font script="Laoo" typeface="DokChampa"/>
+        <a:font script="Sinh" typeface="Iskoola Pota"/>
+        <a:font script="Mong" typeface="Mongolian Baiti"/>
+        <a:font script="Viet" typeface="Times New Roman"/>
+        <a:font script="Uigh" typeface="Microsoft Uighur"/>
+        <a:font script="Geor" typeface="Sylfaen"/>
+        <a:font script="Armn" typeface="Arial"/>
+        <a:font script="Bugi" typeface="Leelawadee UI"/>
+        <a:font script="Bopo" typeface="Microsoft JhengHei"/>
+        <a:font script="Java" typeface="Javanese Text"/>
+        <a:font script="Lisu" typeface="Segoe UI"/>
+        <a:font script="Mymr" typeface="Myanmar Text"/>
+        <a:font script="Nkoo" typeface="Ebrima"/>
+        <a:font script="Olck" typeface="Nirmala UI"/>
+        <a:font script="Osma" typeface="Ebrima"/>
+        <a:font script="Phag" typeface="Phagspa"/>
+        <a:font script="Syrn" typeface="Estrangelo Edessa"/>
+        <a:font script="Syrj" typeface="Estrangelo Edessa"/>
+        <a:font script="Syre" typeface="Estrangelo Edessa"/>
+        <a:font script="Sora" typeface="Nirmala UI"/>
+        <a:font script="Tale" typeface="Microsoft Tai Le"/>
+        <a:font script="Talu" typeface="Microsoft New Tai Lue"/>
+        <a:font script="Tfng" typeface="Ebrima"/>
+      </a:majorFont>
+      <a:minorFont>
+        <a:latin typeface="Aptos" panose="02110004020202020204"/>
+        <a:ea typeface=""/>
+        <a:cs typeface=""/>
+        <a:font script="Jpan" typeface="游ゴシック"/>
+        <a:font script="Hang" typeface="맑은 고딕"/>
+        <a:font script="Hans" typeface="等线"/>
+        <a:font script="Hant" typeface="新細明體"/>
+        <a:font script="Arab" typeface="Arial"/>
+        <a:font script="Hebr" typeface="Arial"/>
+        <a:font script="Thai" typeface="Cordia New"/>
+        <a:font script="Ethi" typeface="Nyala"/>
+        <a:font script="Beng" typeface="Vrinda"/>
+        <a:font script="Gujr" typeface="Shruti"/>
+        <a:font script="Khmr" typeface="DaunPenh"/>
+        <a:font script="Knda" typeface="Tunga"/>
+        <a:font script="Guru" typeface="Raavi"/>
+        <a:font script="Cans" typeface="Euphemia"/>
+        <a:font script="Cher" typeface="Plantagenet Cherokee"/>
+        <a:font script="Yiii" typeface="Microsoft Yi Baiti"/>
+        <a:font script="Tibt" typeface="Microsoft Himalaya"/>
+        <a:font script="Thaa" typeface="MV Boli"/>
+        <a:font script="Deva" typeface="Mangal"/>
+        <a:font script="Telu" typeface="Gautami"/>
+        <a:font script="Taml" typeface="Latha"/>
+        <a:font script="Syrc" typeface="Estrangelo Edessa"/>
+        <a:font script="Orya" typeface="Kalinga"/>
+        <a:font script="Mlym" typeface="Kartika"/>
+        <a:font script="Laoo" typeface="DokChampa"/>
+        <a:font script="Sinh" typeface="Iskoola Pota"/>
+        <a:font script="Mong" typeface="Mongolian Baiti"/>
+        <a:font script="Viet" typeface="Arial"/>
+        <a:font script="Uigh" typeface="Microsoft Uighur"/>
+        <a:font script="Geor" typeface="Sylfaen"/>
+        <a:font script="Armn" typeface="Arial"/>
+        <a:font script="Bugi" typeface="Leelawadee UI"/>
+        <a:font script="Bopo" typeface="Microsoft JhengHei"/>
+        <a:font script="Java" typeface="Javanese Text"/>
+        <a:font script="Lisu" typeface="Segoe UI"/>
+        <a:font script="Mymr" typeface="Myanmar Text"/>
+        <a:font script="Nkoo" typeface="Ebrima"/>
+        <a:font script="Olck" typeface="Nirmala UI"/>
+        <a:font script="Osma" typeface="Ebrima"/>
+        <a:font script="Phag" typeface="Phagspa"/>
+        <a:font script="Syrn" typeface="Estrangelo Edessa"/>
+        <a:font script="Syrj" typeface="Estrangelo Edessa"/>
+        <a:font script="Syre" typeface="Estrangelo Edessa"/>
+        <a:font script="Sora" typeface="Nirmala UI"/>
+        <a:font script="Tale" typeface="Microsoft Tai Le"/>
+        <a:font script="Talu" typeface="Microsoft New Tai Lue"/>
+        <a:font script="Tfng" typeface="Ebrima"/>
+      </a:minorFont>
+    </a:fontScheme>
+    <a:fmtScheme name="Office">
+      <a:fillStyleLst>
+        <a:solidFill>
+          <a:schemeClr val="phClr"/>
+        </a:solidFill>
+        <a:gradFill rotWithShape="1">
+          <a:gsLst>
+            <a:gs pos="0">
+              <a:schemeClr val="phClr">
+                <a:lumMod val="110000"/>
+                <a:satMod val="105000"/>
+                <a:tint val="67000"/>
+              </a:schemeClr>
+            </a:gs>
+            <a:gs pos="50000">
+              <a:schemeClr val="phClr">
+                <a:lumMod val="105000"/>
+                <a:satMod val="103000"/>
+                <a:tint val="73000"/>
+              </a:schemeClr>
+            </a:gs>
+            <a:gs pos="100000">
+              <a:schemeClr val="phClr">
+                <a:lumMod val="105000"/>
+                <a:satMod val="109000"/>
+                <a:tint val="81000"/>
+              </a:schemeClr>
+            </a:gs>
+          </a:gsLst>
+          <a:lin ang="5400000" scaled="0"/>
+        </a:gradFill>
+        <a:gradFill rotWithShape="1">
+          <a:gsLst>
+            <a:gs pos="0">
+              <a:schemeClr val="phClr">
+                <a:satMod val="103000"/>
+                <a:lumMod val="102000"/>
+                <a:tint val="94000"/>
+              </a:schemeClr>
+            </a:gs>
+            <a:gs pos="50000">
+              <a:schemeClr val="phClr">
+                <a:satMod val="110000"/>
+                <a:lumMod val="100000"/>
+                <a:shade val="100000"/>
+              </a:schemeClr>
+            </a:gs>
+            <a:gs pos="100000">
+              <a:schemeClr val="phClr">
+                <a:lumMod val="99000"/>
+                <a:satMod val="120000"/>
+                <a:shade val="78000"/>
+              </a:schemeClr>
+            </a:gs>
+          </a:gsLst>
+          <a:lin ang="5400000" scaled="0"/>
+        </a:gradFill>
+      </a:fillStyleLst>
+      <a:lnStyleLst>
+        <a:ln w="12700" cap="flat" cmpd="sng" algn="ctr">
+          <a:solidFill>
+            <a:schemeClr val="phClr"/>
+          </a:solidFill>
+          <a:prstDash val="solid"/>
+          <a:miter lim="800000"/>
+        </a:ln>
+        <a:ln w="19050" cap="flat" cmpd="sng" algn="ctr">
+          <a:solidFill>
+            <a:schemeClr val="phClr"/>
+          </a:solidFill>
+          <a:prstDash val="solid"/>
+          <a:miter lim="800000"/>
+        </a:ln>
+        <a:ln w="25400" cap="flat" cmpd="sng" algn="ctr">
+          <a:solidFill>
+            <a:schemeClr val="phClr"/>
+          </a:solidFill>
+          <a:prstDash val="solid"/>
+          <a:miter lim="800000"/>
+        </a:ln>
+      </a:lnStyleLst>
+      <a:effectStyleLst>
+        <a:effectStyle>
+          <a:effectLst/>
+        </a:effectStyle>
+        <a:effectStyle>
+          <a:effectLst/>
+        </a:effectStyle>
+        <a:effectStyle>
+          <a:effectLst>
+            <a:outerShdw blurRad="57150" dist="19050" dir="5400000" algn="ctr" rotWithShape="0">
+              <a:srgbClr val="000000">
+                <a:alpha val="63000"/>
+              </a:srgbClr>
+            </a:outerShdw>
+          </a:effectLst>
+        </a:effectStyle>
+      </a:effectStyleLst>
+      <a:bgFillStyleLst>
+        <a:solidFill>
+          <a:schemeClr val="phClr"/>
+        </a:solidFill>
+        <a:solidFill>
+          <a:schemeClr val="phClr">
+            <a:tint val="95000"/>
+            <a:satMod val="170000"/>
+          </a:schemeClr>
+        </a:solidFill>
+        <a:gradFill rotWithShape="1">
+          <a:gsLst>
+            <a:gs pos="0">
+              <a:schemeClr val="phClr">
+                <a:tint val="93000"/>
+                <a:satMod val="150000"/>
+                <a:shade val="98000"/>
+                <a:lumMod val="102000"/>
+              </a:schemeClr>
+            </a:gs>
+            <a:gs pos="50000">
+              <a:schemeClr val="phClr">
+                <a:tint val="98000"/>
+                <a:satMod val="130000"/>
+                <a:shade val="90000"/>
+                <a:lumMod val="103000"/>
+              </a:schemeClr>
+            </a:gs>
+            <a:gs pos="100000">
+              <a:schemeClr val="phClr">
+                <a:shade val="63000"/>
+                <a:satMod val="120000"/>
+              </a:schemeClr>
+            </a:gs>
+          </a:gsLst>
+          <a:lin ang="5400000" scaled="0"/>
+        </a:gradFill>
+      </a:bgFillStyleLst>
+    </a:fmtScheme>
+  </a:themeElements>
+  <a:objectDefaults>
+    <a:lnDef>
+      <a:spPr/>
+      <a:bodyPr/>
+      <a:lstStyle/>
+      <a:style>
+        <a:lnRef idx="2">
+          <a:schemeClr val="accent1"/>
+        </a:lnRef>
+        <a:fillRef idx="0">
+          <a:schemeClr val="accent1"/>
+        </a:fillRef>
+        <a:effectRef idx="1">
+          <a:schemeClr val="accent1"/>
+        </a:effectRef>
+        <a:fontRef idx="minor">
+          <a:schemeClr val="tx1"/>
+        </a:fontRef>
+      </a:style>
+    </a:lnDef>
+  </a:objectDefaults>
+  <a:extraClrSchemeLst/>
+  <a:extLst>
+    <a:ext uri="{05A4C25C-085E-4340-85A3-A5531E510DB2}">
+      <thm15:themeFamily xmlns:thm15="http://schemas.microsoft.com/office/thememl/2012/main" name="Office Theme" id="{2E142A2C-CD16-42D6-873A-C26D2A0506FA}" vid="{1BDDFF52-6CD6-40A5-AB3C-68EB2F1E4D0A}"/>
+    </a:ext>
+  </a:extLst>
+</a:theme>
 </file>
--- a/Session_2_ML_DL_intro_python_MT2024.pptx
+++ b/Session_2_ML_DL_intro_python_MT2024.pptx
@@ -5,7 +5,7 @@
     <p:sldMasterId id="2147483648" r:id="rId1"/>
   </p:sldMasterIdLst>
   <p:notesMasterIdLst>
-    <p:notesMasterId r:id="rId25"/>
+    <p:notesMasterId r:id="rId26"/>
   </p:notesMasterIdLst>
   <p:sldIdLst>
     <p:sldId id="279" r:id="rId2"/>
@@ -22,15 +22,16 @@
     <p:sldId id="277" r:id="rId13"/>
     <p:sldId id="271" r:id="rId14"/>
     <p:sldId id="269" r:id="rId15"/>
-    <p:sldId id="270" r:id="rId16"/>
-    <p:sldId id="261" r:id="rId17"/>
-    <p:sldId id="262" r:id="rId18"/>
-    <p:sldId id="276" r:id="rId19"/>
-    <p:sldId id="263" r:id="rId20"/>
-    <p:sldId id="274" r:id="rId21"/>
-    <p:sldId id="278" r:id="rId22"/>
-    <p:sldId id="264" r:id="rId23"/>
-    <p:sldId id="272" r:id="rId24"/>
+    <p:sldId id="280" r:id="rId16"/>
+    <p:sldId id="270" r:id="rId17"/>
+    <p:sldId id="261" r:id="rId18"/>
+    <p:sldId id="262" r:id="rId19"/>
+    <p:sldId id="276" r:id="rId20"/>
+    <p:sldId id="263" r:id="rId21"/>
+    <p:sldId id="274" r:id="rId22"/>
+    <p:sldId id="278" r:id="rId23"/>
+    <p:sldId id="264" r:id="rId24"/>
+    <p:sldId id="272" r:id="rId25"/>
   </p:sldIdLst>
   <p:sldSz cx="12192000" cy="6858000"/>
   <p:notesSz cx="6858000" cy="9144000"/>
@@ -145,351 +146,6 @@
 </p1510:revInfo>
 </file>
 
-<file path=ppt/changesInfos/changesInfo1.xml><?xml version="1.0" encoding="utf-8"?>
-<pc:chgInfo xmlns:a="http://schemas.openxmlformats.org/drawingml/2006/main" xmlns:r="http://schemas.openxmlformats.org/officeDocument/2006/relationships" xmlns:ac="http://schemas.microsoft.com/office/drawing/2013/main/command" xmlns:pc="http://schemas.microsoft.com/office/powerpoint/2013/main/command">
-  <pc:docChgLst>
-    <pc:chgData name="Srinivasa Rao" userId="a6b54366-f13d-4292-8bb4-f06c50909b1e" providerId="ADAL" clId="{9FCB31F7-5283-B647-BE13-D62A0C626711}"/>
-    <pc:docChg chg="undo custSel addSld modSld">
-      <pc:chgData name="Srinivasa Rao" userId="a6b54366-f13d-4292-8bb4-f06c50909b1e" providerId="ADAL" clId="{9FCB31F7-5283-B647-BE13-D62A0C626711}" dt="2024-11-03T21:35:40.042" v="284" actId="255"/>
-      <pc:docMkLst>
-        <pc:docMk/>
-      </pc:docMkLst>
-      <pc:sldChg chg="modSp mod">
-        <pc:chgData name="Srinivasa Rao" userId="a6b54366-f13d-4292-8bb4-f06c50909b1e" providerId="ADAL" clId="{9FCB31F7-5283-B647-BE13-D62A0C626711}" dt="2024-11-03T21:35:40.042" v="284" actId="255"/>
-        <pc:sldMkLst>
-          <pc:docMk/>
-          <pc:sldMk cId="0" sldId="257"/>
-        </pc:sldMkLst>
-        <pc:spChg chg="mod">
-          <ac:chgData name="Srinivasa Rao" userId="a6b54366-f13d-4292-8bb4-f06c50909b1e" providerId="ADAL" clId="{9FCB31F7-5283-B647-BE13-D62A0C626711}" dt="2024-11-03T21:35:40.042" v="284" actId="255"/>
-          <ac:spMkLst>
-            <pc:docMk/>
-            <pc:sldMk cId="0" sldId="257"/>
-            <ac:spMk id="3" creationId="{00000000-0000-0000-0000-000000000000}"/>
-          </ac:spMkLst>
-        </pc:spChg>
-      </pc:sldChg>
-      <pc:sldChg chg="addSp delSp modSp mod">
-        <pc:chgData name="Srinivasa Rao" userId="a6b54366-f13d-4292-8bb4-f06c50909b1e" providerId="ADAL" clId="{9FCB31F7-5283-B647-BE13-D62A0C626711}" dt="2024-11-03T21:25:33.639" v="140" actId="1076"/>
-        <pc:sldMkLst>
-          <pc:docMk/>
-          <pc:sldMk cId="0" sldId="258"/>
-        </pc:sldMkLst>
-        <pc:spChg chg="mod">
-          <ac:chgData name="Srinivasa Rao" userId="a6b54366-f13d-4292-8bb4-f06c50909b1e" providerId="ADAL" clId="{9FCB31F7-5283-B647-BE13-D62A0C626711}" dt="2024-11-03T21:03:19.245" v="30" actId="20577"/>
-          <ac:spMkLst>
-            <pc:docMk/>
-            <pc:sldMk cId="0" sldId="258"/>
-            <ac:spMk id="2" creationId="{00000000-0000-0000-0000-000000000000}"/>
-          </ac:spMkLst>
-        </pc:spChg>
-        <pc:spChg chg="del mod">
-          <ac:chgData name="Srinivasa Rao" userId="a6b54366-f13d-4292-8bb4-f06c50909b1e" providerId="ADAL" clId="{9FCB31F7-5283-B647-BE13-D62A0C626711}" dt="2024-11-03T21:12:20.543" v="97" actId="478"/>
-          <ac:spMkLst>
-            <pc:docMk/>
-            <pc:sldMk cId="0" sldId="258"/>
-            <ac:spMk id="3" creationId="{00000000-0000-0000-0000-000000000000}"/>
-          </ac:spMkLst>
-        </pc:spChg>
-        <pc:spChg chg="del">
-          <ac:chgData name="Srinivasa Rao" userId="a6b54366-f13d-4292-8bb4-f06c50909b1e" providerId="ADAL" clId="{9FCB31F7-5283-B647-BE13-D62A0C626711}" dt="2024-11-03T21:03:41.184" v="78" actId="478"/>
-          <ac:spMkLst>
-            <pc:docMk/>
-            <pc:sldMk cId="0" sldId="258"/>
-            <ac:spMk id="4" creationId="{7BD79B23-7083-4365-5437-288A00E87209}"/>
-          </ac:spMkLst>
-        </pc:spChg>
-        <pc:spChg chg="add del mod">
-          <ac:chgData name="Srinivasa Rao" userId="a6b54366-f13d-4292-8bb4-f06c50909b1e" providerId="ADAL" clId="{9FCB31F7-5283-B647-BE13-D62A0C626711}" dt="2024-11-03T21:12:17.436" v="96" actId="478"/>
-          <ac:spMkLst>
-            <pc:docMk/>
-            <pc:sldMk cId="0" sldId="258"/>
-            <ac:spMk id="5" creationId="{28ED9842-909B-4AC5-C5DE-6A109AFFB7EF}"/>
-          </ac:spMkLst>
-        </pc:spChg>
-        <pc:spChg chg="add del mod">
-          <ac:chgData name="Srinivasa Rao" userId="a6b54366-f13d-4292-8bb4-f06c50909b1e" providerId="ADAL" clId="{9FCB31F7-5283-B647-BE13-D62A0C626711}" dt="2024-11-03T21:12:17.436" v="96" actId="478"/>
-          <ac:spMkLst>
-            <pc:docMk/>
-            <pc:sldMk cId="0" sldId="258"/>
-            <ac:spMk id="6" creationId="{8B98AF89-F735-5504-0B24-33E2EFEDD768}"/>
-          </ac:spMkLst>
-        </pc:spChg>
-        <pc:spChg chg="add del mod">
-          <ac:chgData name="Srinivasa Rao" userId="a6b54366-f13d-4292-8bb4-f06c50909b1e" providerId="ADAL" clId="{9FCB31F7-5283-B647-BE13-D62A0C626711}" dt="2024-11-03T21:12:17.436" v="96" actId="478"/>
-          <ac:spMkLst>
-            <pc:docMk/>
-            <pc:sldMk cId="0" sldId="258"/>
-            <ac:spMk id="7" creationId="{44C78915-9119-3705-3802-0528AB155AB8}"/>
-          </ac:spMkLst>
-        </pc:spChg>
-        <pc:spChg chg="add del mod">
-          <ac:chgData name="Srinivasa Rao" userId="a6b54366-f13d-4292-8bb4-f06c50909b1e" providerId="ADAL" clId="{9FCB31F7-5283-B647-BE13-D62A0C626711}" dt="2024-11-03T21:12:17.436" v="96" actId="478"/>
-          <ac:spMkLst>
-            <pc:docMk/>
-            <pc:sldMk cId="0" sldId="258"/>
-            <ac:spMk id="8" creationId="{CC8A1B6F-153A-3A89-82B1-9EEA7FDE60AC}"/>
-          </ac:spMkLst>
-        </pc:spChg>
-        <pc:spChg chg="add del mod">
-          <ac:chgData name="Srinivasa Rao" userId="a6b54366-f13d-4292-8bb4-f06c50909b1e" providerId="ADAL" clId="{9FCB31F7-5283-B647-BE13-D62A0C626711}" dt="2024-11-03T21:12:17.436" v="96" actId="478"/>
-          <ac:spMkLst>
-            <pc:docMk/>
-            <pc:sldMk cId="0" sldId="258"/>
-            <ac:spMk id="9" creationId="{FE05E26D-9D1E-2F5C-EDD7-8B3C6ED2CCD1}"/>
-          </ac:spMkLst>
-        </pc:spChg>
-        <pc:spChg chg="add del mod">
-          <ac:chgData name="Srinivasa Rao" userId="a6b54366-f13d-4292-8bb4-f06c50909b1e" providerId="ADAL" clId="{9FCB31F7-5283-B647-BE13-D62A0C626711}" dt="2024-11-03T21:12:17.436" v="96" actId="478"/>
-          <ac:spMkLst>
-            <pc:docMk/>
-            <pc:sldMk cId="0" sldId="258"/>
-            <ac:spMk id="10" creationId="{097E8033-0C3D-BC8D-6056-8E85A06EAFF1}"/>
-          </ac:spMkLst>
-        </pc:spChg>
-        <pc:spChg chg="add del mod">
-          <ac:chgData name="Srinivasa Rao" userId="a6b54366-f13d-4292-8bb4-f06c50909b1e" providerId="ADAL" clId="{9FCB31F7-5283-B647-BE13-D62A0C626711}" dt="2024-11-03T21:12:17.436" v="96" actId="478"/>
-          <ac:spMkLst>
-            <pc:docMk/>
-            <pc:sldMk cId="0" sldId="258"/>
-            <ac:spMk id="11" creationId="{1A7F8C31-98C9-12E0-975F-386DF0DFED03}"/>
-          </ac:spMkLst>
-        </pc:spChg>
-        <pc:spChg chg="add del mod">
-          <ac:chgData name="Srinivasa Rao" userId="a6b54366-f13d-4292-8bb4-f06c50909b1e" providerId="ADAL" clId="{9FCB31F7-5283-B647-BE13-D62A0C626711}" dt="2024-11-03T21:12:17.436" v="96" actId="478"/>
-          <ac:spMkLst>
-            <pc:docMk/>
-            <pc:sldMk cId="0" sldId="258"/>
-            <ac:spMk id="12" creationId="{8D9FB2CA-DDBC-8DE3-5BFD-83D7FF8AEFC8}"/>
-          </ac:spMkLst>
-        </pc:spChg>
-        <pc:spChg chg="add del mod">
-          <ac:chgData name="Srinivasa Rao" userId="a6b54366-f13d-4292-8bb4-f06c50909b1e" providerId="ADAL" clId="{9FCB31F7-5283-B647-BE13-D62A0C626711}" dt="2024-11-03T21:12:17.436" v="96" actId="478"/>
-          <ac:spMkLst>
-            <pc:docMk/>
-            <pc:sldMk cId="0" sldId="258"/>
-            <ac:spMk id="13" creationId="{67C2587F-683E-78A4-865A-7A7099B2EBB9}"/>
-          </ac:spMkLst>
-        </pc:spChg>
-        <pc:spChg chg="add del mod">
-          <ac:chgData name="Srinivasa Rao" userId="a6b54366-f13d-4292-8bb4-f06c50909b1e" providerId="ADAL" clId="{9FCB31F7-5283-B647-BE13-D62A0C626711}" dt="2024-11-03T21:12:17.436" v="96" actId="478"/>
-          <ac:spMkLst>
-            <pc:docMk/>
-            <pc:sldMk cId="0" sldId="258"/>
-            <ac:spMk id="14" creationId="{30345896-A75A-B646-4FC9-40DA0916BC7F}"/>
-          </ac:spMkLst>
-        </pc:spChg>
-        <pc:spChg chg="add del mod">
-          <ac:chgData name="Srinivasa Rao" userId="a6b54366-f13d-4292-8bb4-f06c50909b1e" providerId="ADAL" clId="{9FCB31F7-5283-B647-BE13-D62A0C626711}" dt="2024-11-03T21:12:17.436" v="96" actId="478"/>
-          <ac:spMkLst>
-            <pc:docMk/>
-            <pc:sldMk cId="0" sldId="258"/>
-            <ac:spMk id="15" creationId="{06AC9D68-DF79-CB0B-66D5-28B087817543}"/>
-          </ac:spMkLst>
-        </pc:spChg>
-        <pc:spChg chg="add del mod">
-          <ac:chgData name="Srinivasa Rao" userId="a6b54366-f13d-4292-8bb4-f06c50909b1e" providerId="ADAL" clId="{9FCB31F7-5283-B647-BE13-D62A0C626711}" dt="2024-11-03T21:12:17.436" v="96" actId="478"/>
-          <ac:spMkLst>
-            <pc:docMk/>
-            <pc:sldMk cId="0" sldId="258"/>
-            <ac:spMk id="16" creationId="{8523E3AA-A68B-966A-B62B-F026C8EE6F6E}"/>
-          </ac:spMkLst>
-        </pc:spChg>
-        <pc:spChg chg="add del mod">
-          <ac:chgData name="Srinivasa Rao" userId="a6b54366-f13d-4292-8bb4-f06c50909b1e" providerId="ADAL" clId="{9FCB31F7-5283-B647-BE13-D62A0C626711}" dt="2024-11-03T21:12:17.436" v="96" actId="478"/>
-          <ac:spMkLst>
-            <pc:docMk/>
-            <pc:sldMk cId="0" sldId="258"/>
-            <ac:spMk id="17" creationId="{0DD30D51-F624-0D5E-F72D-FA2C047387F4}"/>
-          </ac:spMkLst>
-        </pc:spChg>
-        <pc:spChg chg="add del mod">
-          <ac:chgData name="Srinivasa Rao" userId="a6b54366-f13d-4292-8bb4-f06c50909b1e" providerId="ADAL" clId="{9FCB31F7-5283-B647-BE13-D62A0C626711}" dt="2024-11-03T21:12:17.436" v="96" actId="478"/>
-          <ac:spMkLst>
-            <pc:docMk/>
-            <pc:sldMk cId="0" sldId="258"/>
-            <ac:spMk id="18" creationId="{3D26168E-994C-9DBD-55B2-303C716A39AB}"/>
-          </ac:spMkLst>
-        </pc:spChg>
-        <pc:spChg chg="add del mod">
-          <ac:chgData name="Srinivasa Rao" userId="a6b54366-f13d-4292-8bb4-f06c50909b1e" providerId="ADAL" clId="{9FCB31F7-5283-B647-BE13-D62A0C626711}" dt="2024-11-03T21:12:17.436" v="96" actId="478"/>
-          <ac:spMkLst>
-            <pc:docMk/>
-            <pc:sldMk cId="0" sldId="258"/>
-            <ac:spMk id="19" creationId="{0B44CEAA-6DE4-C90B-477F-31E4D747F2AB}"/>
-          </ac:spMkLst>
-        </pc:spChg>
-        <pc:spChg chg="add del mod">
-          <ac:chgData name="Srinivasa Rao" userId="a6b54366-f13d-4292-8bb4-f06c50909b1e" providerId="ADAL" clId="{9FCB31F7-5283-B647-BE13-D62A0C626711}" dt="2024-11-03T21:12:17.436" v="96" actId="478"/>
-          <ac:spMkLst>
-            <pc:docMk/>
-            <pc:sldMk cId="0" sldId="258"/>
-            <ac:spMk id="20" creationId="{3882D1B5-D503-C09B-7AEB-E65EB36B109B}"/>
-          </ac:spMkLst>
-        </pc:spChg>
-        <pc:spChg chg="add del mod">
-          <ac:chgData name="Srinivasa Rao" userId="a6b54366-f13d-4292-8bb4-f06c50909b1e" providerId="ADAL" clId="{9FCB31F7-5283-B647-BE13-D62A0C626711}" dt="2024-11-03T21:12:22.645" v="98" actId="478"/>
-          <ac:spMkLst>
-            <pc:docMk/>
-            <pc:sldMk cId="0" sldId="258"/>
-            <ac:spMk id="22" creationId="{B23001FD-FD84-F820-F2CE-F01C1208AB10}"/>
-          </ac:spMkLst>
-        </pc:spChg>
-        <pc:spChg chg="add mod">
-          <ac:chgData name="Srinivasa Rao" userId="a6b54366-f13d-4292-8bb4-f06c50909b1e" providerId="ADAL" clId="{9FCB31F7-5283-B647-BE13-D62A0C626711}" dt="2024-11-03T21:25:25.403" v="138" actId="13822"/>
-          <ac:spMkLst>
-            <pc:docMk/>
-            <pc:sldMk cId="0" sldId="258"/>
-            <ac:spMk id="31" creationId="{E1EB8228-CD43-F81C-F630-1B964F7B4BC8}"/>
-          </ac:spMkLst>
-        </pc:spChg>
-        <pc:spChg chg="add mod">
-          <ac:chgData name="Srinivasa Rao" userId="a6b54366-f13d-4292-8bb4-f06c50909b1e" providerId="ADAL" clId="{9FCB31F7-5283-B647-BE13-D62A0C626711}" dt="2024-11-03T21:25:33.639" v="140" actId="1076"/>
-          <ac:spMkLst>
-            <pc:docMk/>
-            <pc:sldMk cId="0" sldId="258"/>
-            <ac:spMk id="32" creationId="{5DF2D318-CFB1-5BA2-DC61-7A1CB394BD49}"/>
-          </ac:spMkLst>
-        </pc:spChg>
-        <pc:picChg chg="add mod">
-          <ac:chgData name="Srinivasa Rao" userId="a6b54366-f13d-4292-8bb4-f06c50909b1e" providerId="ADAL" clId="{9FCB31F7-5283-B647-BE13-D62A0C626711}" dt="2024-11-03T21:25:05.321" v="136" actId="1076"/>
-          <ac:picMkLst>
-            <pc:docMk/>
-            <pc:sldMk cId="0" sldId="258"/>
-            <ac:picMk id="23" creationId="{E41D7B26-79CC-7447-E882-960BDF1EB886}"/>
-          </ac:picMkLst>
-        </pc:picChg>
-        <pc:picChg chg="add mod">
-          <ac:chgData name="Srinivasa Rao" userId="a6b54366-f13d-4292-8bb4-f06c50909b1e" providerId="ADAL" clId="{9FCB31F7-5283-B647-BE13-D62A0C626711}" dt="2024-11-03T21:25:01.688" v="135" actId="1076"/>
-          <ac:picMkLst>
-            <pc:docMk/>
-            <pc:sldMk cId="0" sldId="258"/>
-            <ac:picMk id="24" creationId="{D989B2C4-8E8D-4C79-D754-18D2EBF16752}"/>
-          </ac:picMkLst>
-        </pc:picChg>
-        <pc:picChg chg="add mod">
-          <ac:chgData name="Srinivasa Rao" userId="a6b54366-f13d-4292-8bb4-f06c50909b1e" providerId="ADAL" clId="{9FCB31F7-5283-B647-BE13-D62A0C626711}" dt="2024-11-03T21:23:40.654" v="124" actId="1076"/>
-          <ac:picMkLst>
-            <pc:docMk/>
-            <pc:sldMk cId="0" sldId="258"/>
-            <ac:picMk id="25" creationId="{1A722B1F-EFD1-21A6-5B8F-F935A95DA4FD}"/>
-          </ac:picMkLst>
-        </pc:picChg>
-        <pc:picChg chg="add mod">
-          <ac:chgData name="Srinivasa Rao" userId="a6b54366-f13d-4292-8bb4-f06c50909b1e" providerId="ADAL" clId="{9FCB31F7-5283-B647-BE13-D62A0C626711}" dt="2024-11-03T21:23:28.153" v="122" actId="1076"/>
-          <ac:picMkLst>
-            <pc:docMk/>
-            <pc:sldMk cId="0" sldId="258"/>
-            <ac:picMk id="26" creationId="{5C27D97B-6403-50AA-49FA-A2123FB15242}"/>
-          </ac:picMkLst>
-        </pc:picChg>
-        <pc:picChg chg="add mod">
-          <ac:chgData name="Srinivasa Rao" userId="a6b54366-f13d-4292-8bb4-f06c50909b1e" providerId="ADAL" clId="{9FCB31F7-5283-B647-BE13-D62A0C626711}" dt="2024-11-03T21:23:30.970" v="123" actId="1076"/>
-          <ac:picMkLst>
-            <pc:docMk/>
-            <pc:sldMk cId="0" sldId="258"/>
-            <ac:picMk id="27" creationId="{1CD85122-A84C-2D41-FDDE-AECEB34E828D}"/>
-          </ac:picMkLst>
-        </pc:picChg>
-        <pc:picChg chg="add mod">
-          <ac:chgData name="Srinivasa Rao" userId="a6b54366-f13d-4292-8bb4-f06c50909b1e" providerId="ADAL" clId="{9FCB31F7-5283-B647-BE13-D62A0C626711}" dt="2024-11-03T21:24:35.971" v="128"/>
-          <ac:picMkLst>
-            <pc:docMk/>
-            <pc:sldMk cId="0" sldId="258"/>
-            <ac:picMk id="28" creationId="{C699BDC9-3FF6-5B1B-A641-3FE394911EBD}"/>
-          </ac:picMkLst>
-        </pc:picChg>
-        <pc:picChg chg="add mod">
-          <ac:chgData name="Srinivasa Rao" userId="a6b54366-f13d-4292-8bb4-f06c50909b1e" providerId="ADAL" clId="{9FCB31F7-5283-B647-BE13-D62A0C626711}" dt="2024-11-03T21:24:51.255" v="133"/>
-          <ac:picMkLst>
-            <pc:docMk/>
-            <pc:sldMk cId="0" sldId="258"/>
-            <ac:picMk id="29" creationId="{77955A05-583A-DC51-8084-23B3B609F618}"/>
-          </ac:picMkLst>
-        </pc:picChg>
-        <pc:picChg chg="add mod">
-          <ac:chgData name="Srinivasa Rao" userId="a6b54366-f13d-4292-8bb4-f06c50909b1e" providerId="ADAL" clId="{9FCB31F7-5283-B647-BE13-D62A0C626711}" dt="2024-11-03T21:24:55.905" v="134"/>
-          <ac:picMkLst>
-            <pc:docMk/>
-            <pc:sldMk cId="0" sldId="258"/>
-            <ac:picMk id="30" creationId="{C30A5564-9987-7848-09AA-36BFD0A83922}"/>
-          </ac:picMkLst>
-        </pc:picChg>
-      </pc:sldChg>
-      <pc:sldChg chg="addSp modSp mod">
-        <pc:chgData name="Srinivasa Rao" userId="a6b54366-f13d-4292-8bb4-f06c50909b1e" providerId="ADAL" clId="{9FCB31F7-5283-B647-BE13-D62A0C626711}" dt="2024-11-03T21:29:31.540" v="177" actId="1076"/>
-        <pc:sldMkLst>
-          <pc:docMk/>
-          <pc:sldMk cId="0" sldId="260"/>
-        </pc:sldMkLst>
-        <pc:spChg chg="add mod">
-          <ac:chgData name="Srinivasa Rao" userId="a6b54366-f13d-4292-8bb4-f06c50909b1e" providerId="ADAL" clId="{9FCB31F7-5283-B647-BE13-D62A0C626711}" dt="2024-11-03T21:29:31.540" v="177" actId="1076"/>
-          <ac:spMkLst>
-            <pc:docMk/>
-            <pc:sldMk cId="0" sldId="260"/>
-            <ac:spMk id="4" creationId="{19CB0226-241F-F9D2-4AC3-C9BD3B94F1FA}"/>
-          </ac:spMkLst>
-        </pc:spChg>
-        <pc:picChg chg="add mod">
-          <ac:chgData name="Srinivasa Rao" userId="a6b54366-f13d-4292-8bb4-f06c50909b1e" providerId="ADAL" clId="{9FCB31F7-5283-B647-BE13-D62A0C626711}" dt="2024-11-03T21:28:44.889" v="145" actId="1076"/>
-          <ac:picMkLst>
-            <pc:docMk/>
-            <pc:sldMk cId="0" sldId="260"/>
-            <ac:picMk id="1026" creationId="{D857B268-9D04-C7A9-4A47-D98C481A9F92}"/>
-          </ac:picMkLst>
-        </pc:picChg>
-      </pc:sldChg>
-      <pc:sldChg chg="addSp modSp mod">
-        <pc:chgData name="Srinivasa Rao" userId="a6b54366-f13d-4292-8bb4-f06c50909b1e" providerId="ADAL" clId="{9FCB31F7-5283-B647-BE13-D62A0C626711}" dt="2024-11-03T21:34:22.005" v="273" actId="1076"/>
-        <pc:sldMkLst>
-          <pc:docMk/>
-          <pc:sldMk cId="0" sldId="263"/>
-        </pc:sldMkLst>
-        <pc:spChg chg="add mod">
-          <ac:chgData name="Srinivasa Rao" userId="a6b54366-f13d-4292-8bb4-f06c50909b1e" providerId="ADAL" clId="{9FCB31F7-5283-B647-BE13-D62A0C626711}" dt="2024-11-03T21:34:22.005" v="273" actId="1076"/>
-          <ac:spMkLst>
-            <pc:docMk/>
-            <pc:sldMk cId="0" sldId="263"/>
-            <ac:spMk id="4" creationId="{B5358C91-CBF9-A0DB-5BA9-4D747D5B9E36}"/>
-          </ac:spMkLst>
-        </pc:spChg>
-        <pc:spChg chg="add mod">
-          <ac:chgData name="Srinivasa Rao" userId="a6b54366-f13d-4292-8bb4-f06c50909b1e" providerId="ADAL" clId="{9FCB31F7-5283-B647-BE13-D62A0C626711}" dt="2024-11-03T21:34:22.005" v="273" actId="1076"/>
-          <ac:spMkLst>
-            <pc:docMk/>
-            <pc:sldMk cId="0" sldId="263"/>
-            <ac:spMk id="5" creationId="{83CF7AA5-2CF8-49A3-E6C4-758E86CEE932}"/>
-          </ac:spMkLst>
-        </pc:spChg>
-        <pc:picChg chg="add mod">
-          <ac:chgData name="Srinivasa Rao" userId="a6b54366-f13d-4292-8bb4-f06c50909b1e" providerId="ADAL" clId="{9FCB31F7-5283-B647-BE13-D62A0C626711}" dt="2024-11-03T21:34:22.005" v="273" actId="1076"/>
-          <ac:picMkLst>
-            <pc:docMk/>
-            <pc:sldMk cId="0" sldId="263"/>
-            <ac:picMk id="2050" creationId="{6680F5AD-65B5-5314-B6E7-51B0864D56DA}"/>
-          </ac:picMkLst>
-        </pc:picChg>
-      </pc:sldChg>
-      <pc:sldChg chg="modSp add mod">
-        <pc:chgData name="Srinivasa Rao" userId="a6b54366-f13d-4292-8bb4-f06c50909b1e" providerId="ADAL" clId="{9FCB31F7-5283-B647-BE13-D62A0C626711}" dt="2024-11-03T21:35:11.619" v="278" actId="115"/>
-        <pc:sldMkLst>
-          <pc:docMk/>
-          <pc:sldMk cId="774331437" sldId="265"/>
-        </pc:sldMkLst>
-        <pc:spChg chg="mod">
-          <ac:chgData name="Srinivasa Rao" userId="a6b54366-f13d-4292-8bb4-f06c50909b1e" providerId="ADAL" clId="{9FCB31F7-5283-B647-BE13-D62A0C626711}" dt="2024-11-03T21:35:11.619" v="278" actId="115"/>
-          <ac:spMkLst>
-            <pc:docMk/>
-            <pc:sldMk cId="774331437" sldId="265"/>
-            <ac:spMk id="3" creationId="{FA984AB3-0EED-5770-AC70-44FAD3773694}"/>
-          </ac:spMkLst>
-        </pc:spChg>
-      </pc:sldChg>
-    </pc:docChg>
-  </pc:docChgLst>
-</pc:chgInfo>
-</file>
-
 <file path=ppt/notesMasters/notesMaster1.xml><?xml version="1.0" encoding="utf-8"?>
 <p:notesMaster xmlns:a="http://schemas.openxmlformats.org/drawingml/2006/main" xmlns:r="http://schemas.openxmlformats.org/officeDocument/2006/relationships" xmlns:p="http://schemas.openxmlformats.org/presentationml/2006/main">
   <p:cSld>
@@ -572,7 +228,7 @@
           <a:p>
             <a:fld id="{321F9A8F-8DBF-5448-B101-F470301396C1}" type="datetimeFigureOut">
               <a:rPr lang="en-US" smtClean="0"/>
-              <a:t>3/9/25</a:t>
+              <a:t>3/10/25</a:t>
             </a:fld>
             <a:endParaRPr lang="en-US"/>
           </a:p>
@@ -1073,7 +729,7 @@
           <a:p>
             <a:fld id="{7C7E9CC2-F8D3-6047-97B4-E95E02B9DE73}" type="datetimeFigureOut">
               <a:rPr lang="en-US" smtClean="0"/>
-              <a:t>3/9/25</a:t>
+              <a:t>3/10/25</a:t>
             </a:fld>
             <a:endParaRPr lang="en-US"/>
           </a:p>
@@ -1273,7 +929,7 @@
           <a:p>
             <a:fld id="{7C7E9CC2-F8D3-6047-97B4-E95E02B9DE73}" type="datetimeFigureOut">
               <a:rPr lang="en-US" smtClean="0"/>
-              <a:t>3/9/25</a:t>
+              <a:t>3/10/25</a:t>
             </a:fld>
             <a:endParaRPr lang="en-US"/>
           </a:p>
@@ -1483,7 +1139,7 @@
           <a:p>
             <a:fld id="{7C7E9CC2-F8D3-6047-97B4-E95E02B9DE73}" type="datetimeFigureOut">
               <a:rPr lang="en-US" smtClean="0"/>
-              <a:t>3/9/25</a:t>
+              <a:t>3/10/25</a:t>
             </a:fld>
             <a:endParaRPr lang="en-US"/>
           </a:p>
@@ -1683,7 +1339,7 @@
           <a:p>
             <a:fld id="{7C7E9CC2-F8D3-6047-97B4-E95E02B9DE73}" type="datetimeFigureOut">
               <a:rPr lang="en-US" smtClean="0"/>
-              <a:t>3/9/25</a:t>
+              <a:t>3/10/25</a:t>
             </a:fld>
             <a:endParaRPr lang="en-US"/>
           </a:p>
@@ -1959,7 +1615,7 @@
           <a:p>
             <a:fld id="{7C7E9CC2-F8D3-6047-97B4-E95E02B9DE73}" type="datetimeFigureOut">
               <a:rPr lang="en-US" smtClean="0"/>
-              <a:t>3/9/25</a:t>
+              <a:t>3/10/25</a:t>
             </a:fld>
             <a:endParaRPr lang="en-US"/>
           </a:p>
@@ -2227,7 +1883,7 @@
           <a:p>
             <a:fld id="{7C7E9CC2-F8D3-6047-97B4-E95E02B9DE73}" type="datetimeFigureOut">
               <a:rPr lang="en-US" smtClean="0"/>
-              <a:t>3/9/25</a:t>
+              <a:t>3/10/25</a:t>
             </a:fld>
             <a:endParaRPr lang="en-US"/>
           </a:p>
@@ -2642,7 +2298,7 @@
           <a:p>
             <a:fld id="{7C7E9CC2-F8D3-6047-97B4-E95E02B9DE73}" type="datetimeFigureOut">
               <a:rPr lang="en-US" smtClean="0"/>
-              <a:t>3/9/25</a:t>
+              <a:t>3/10/25</a:t>
             </a:fld>
             <a:endParaRPr lang="en-US"/>
           </a:p>
@@ -2784,7 +2440,7 @@
           <a:p>
             <a:fld id="{7C7E9CC2-F8D3-6047-97B4-E95E02B9DE73}" type="datetimeFigureOut">
               <a:rPr lang="en-US" smtClean="0"/>
-              <a:t>3/9/25</a:t>
+              <a:t>3/10/25</a:t>
             </a:fld>
             <a:endParaRPr lang="en-US"/>
           </a:p>
@@ -2897,7 +2553,7 @@
           <a:p>
             <a:fld id="{7C7E9CC2-F8D3-6047-97B4-E95E02B9DE73}" type="datetimeFigureOut">
               <a:rPr lang="en-US" smtClean="0"/>
-              <a:t>3/9/25</a:t>
+              <a:t>3/10/25</a:t>
             </a:fld>
             <a:endParaRPr lang="en-US"/>
           </a:p>
@@ -3210,7 +2866,7 @@
           <a:p>
             <a:fld id="{7C7E9CC2-F8D3-6047-97B4-E95E02B9DE73}" type="datetimeFigureOut">
               <a:rPr lang="en-US" smtClean="0"/>
-              <a:t>3/9/25</a:t>
+              <a:t>3/10/25</a:t>
             </a:fld>
             <a:endParaRPr lang="en-US"/>
           </a:p>
@@ -3499,7 +3155,7 @@
           <a:p>
             <a:fld id="{7C7E9CC2-F8D3-6047-97B4-E95E02B9DE73}" type="datetimeFigureOut">
               <a:rPr lang="en-US" smtClean="0"/>
-              <a:t>3/9/25</a:t>
+              <a:t>3/10/25</a:t>
             </a:fld>
             <a:endParaRPr lang="en-US"/>
           </a:p>
@@ -3742,7 +3398,7 @@
           <a:p>
             <a:fld id="{7C7E9CC2-F8D3-6047-97B4-E95E02B9DE73}" type="datetimeFigureOut">
               <a:rPr lang="en-US" smtClean="0"/>
-              <a:t>3/9/25</a:t>
+              <a:t>3/10/25</a:t>
             </a:fld>
             <a:endParaRPr lang="en-US"/>
           </a:p>
@@ -4756,6 +4412,103 @@
         <p:cNvPr id="1" name="">
           <a:extLst>
             <a:ext uri="{FF2B5EF4-FFF2-40B4-BE49-F238E27FC236}">
+              <a16:creationId xmlns:a16="http://schemas.microsoft.com/office/drawing/2014/main" id="{31769B42-882D-D78F-0A5D-9169A2EEB238}"/>
+            </a:ext>
+          </a:extLst>
+        </p:cNvPr>
+        <p:cNvGrpSpPr/>
+        <p:nvPr/>
+      </p:nvGrpSpPr>
+      <p:grpSpPr>
+        <a:xfrm>
+          <a:off x="0" y="0"/>
+          <a:ext cx="0" cy="0"/>
+          <a:chOff x="0" y="0"/>
+          <a:chExt cx="0" cy="0"/>
+        </a:xfrm>
+      </p:grpSpPr>
+      <p:sp>
+        <p:nvSpPr>
+          <p:cNvPr id="2" name="Title 1">
+            <a:extLst>
+              <a:ext uri="{FF2B5EF4-FFF2-40B4-BE49-F238E27FC236}">
+                <a16:creationId xmlns:a16="http://schemas.microsoft.com/office/drawing/2014/main" id="{A30A26F3-5081-0827-B740-21E09D3CD4CF}"/>
+              </a:ext>
+            </a:extLst>
+          </p:cNvPr>
+          <p:cNvSpPr>
+            <a:spLocks noGrp="1"/>
+          </p:cNvSpPr>
+          <p:nvPr>
+            <p:ph type="title"/>
+          </p:nvPr>
+        </p:nvSpPr>
+        <p:spPr/>
+        <p:txBody>
+          <a:bodyPr>
+            <a:normAutofit/>
+          </a:bodyPr>
+          <a:lstStyle/>
+          <a:p>
+            <a:r>
+              <a:rPr lang="en-GB" b="1" dirty="0"/>
+              <a:t>Dimensions as we go through the CNN</a:t>
+            </a:r>
+            <a:endParaRPr b="1" dirty="0"/>
+          </a:p>
+        </p:txBody>
+      </p:sp>
+      <p:pic>
+        <p:nvPicPr>
+          <p:cNvPr id="3" name="Picture 2">
+            <a:extLst>
+              <a:ext uri="{FF2B5EF4-FFF2-40B4-BE49-F238E27FC236}">
+                <a16:creationId xmlns:a16="http://schemas.microsoft.com/office/drawing/2014/main" id="{76CE4A7E-A46E-C700-946D-4100AE825B87}"/>
+              </a:ext>
+            </a:extLst>
+          </p:cNvPr>
+          <p:cNvPicPr>
+            <a:picLocks noChangeAspect="1"/>
+          </p:cNvPicPr>
+          <p:nvPr/>
+        </p:nvPicPr>
+        <p:blipFill>
+          <a:blip r:embed="rId2"/>
+          <a:stretch>
+            <a:fillRect/>
+          </a:stretch>
+        </p:blipFill>
+        <p:spPr>
+          <a:xfrm>
+            <a:off x="228600" y="1544637"/>
+            <a:ext cx="12211050" cy="4070350"/>
+          </a:xfrm>
+          <a:prstGeom prst="rect">
+            <a:avLst/>
+          </a:prstGeom>
+        </p:spPr>
+      </p:pic>
+    </p:spTree>
+    <p:extLst>
+      <p:ext uri="{BB962C8B-B14F-4D97-AF65-F5344CB8AC3E}">
+        <p14:creationId xmlns:p14="http://schemas.microsoft.com/office/powerpoint/2010/main" val="2560677492"/>
+      </p:ext>
+    </p:extLst>
+  </p:cSld>
+  <p:clrMapOvr>
+    <a:masterClrMapping/>
+  </p:clrMapOvr>
+</p:sld>
+</file>
+
+<file path=ppt/slides/slide16.xml><?xml version="1.0" encoding="utf-8"?>
+<p:sld xmlns:a="http://schemas.openxmlformats.org/drawingml/2006/main" xmlns:r="http://schemas.openxmlformats.org/officeDocument/2006/relationships" xmlns:p="http://schemas.openxmlformats.org/presentationml/2006/main">
+  <p:cSld>
+    <p:spTree>
+      <p:nvGrpSpPr>
+        <p:cNvPr id="1" name="">
+          <a:extLst>
+            <a:ext uri="{FF2B5EF4-FFF2-40B4-BE49-F238E27FC236}">
               <a16:creationId xmlns:a16="http://schemas.microsoft.com/office/drawing/2014/main" id="{9E8E226B-649A-8EB3-B1B0-1C919F3F622C}"/>
             </a:ext>
           </a:extLst>
@@ -4845,135 +4598,6 @@
 </p:sld>
 </file>
 
-<file path=ppt/slides/slide16.xml><?xml version="1.0" encoding="utf-8"?>
-<p:sld xmlns:a="http://schemas.openxmlformats.org/drawingml/2006/main" xmlns:r="http://schemas.openxmlformats.org/officeDocument/2006/relationships" xmlns:p="http://schemas.openxmlformats.org/presentationml/2006/main">
-  <p:cSld>
-    <p:spTree>
-      <p:nvGrpSpPr>
-        <p:cNvPr id="1" name=""/>
-        <p:cNvGrpSpPr/>
-        <p:nvPr/>
-      </p:nvGrpSpPr>
-      <p:grpSpPr>
-        <a:xfrm>
-          <a:off x="0" y="0"/>
-          <a:ext cx="0" cy="0"/>
-          <a:chOff x="0" y="0"/>
-          <a:chExt cx="0" cy="0"/>
-        </a:xfrm>
-      </p:grpSpPr>
-      <p:sp>
-        <p:nvSpPr>
-          <p:cNvPr id="2" name="Title 1"/>
-          <p:cNvSpPr>
-            <a:spLocks noGrp="1"/>
-          </p:cNvSpPr>
-          <p:nvPr>
-            <p:ph type="title"/>
-          </p:nvPr>
-        </p:nvSpPr>
-        <p:spPr/>
-        <p:txBody>
-          <a:bodyPr/>
-          <a:lstStyle/>
-          <a:p>
-            <a:r>
-              <a:rPr lang="en-GB" b="1"/>
-              <a:t>Some terms</a:t>
-            </a:r>
-            <a:endParaRPr b="1"/>
-          </a:p>
-        </p:txBody>
-      </p:sp>
-      <p:sp>
-        <p:nvSpPr>
-          <p:cNvPr id="3" name="Content Placeholder 2"/>
-          <p:cNvSpPr>
-            <a:spLocks noGrp="1"/>
-          </p:cNvSpPr>
-          <p:nvPr>
-            <p:ph idx="1"/>
-          </p:nvPr>
-        </p:nvSpPr>
-        <p:spPr/>
-        <p:txBody>
-          <a:bodyPr>
-            <a:normAutofit/>
-          </a:bodyPr>
-          <a:lstStyle/>
-          <a:p>
-            <a:r>
-              <a:rPr sz="2400" b="1" dirty="0" err="1"/>
-              <a:t>ReLU</a:t>
-            </a:r>
-            <a:r>
-              <a:rPr sz="2400" dirty="0"/>
-              <a:t>: An activation function that introduces non-linearity by converting negative values to zero.</a:t>
-            </a:r>
-            <a:endParaRPr lang="en-GB" sz="2400" dirty="0"/>
-          </a:p>
-          <a:p>
-            <a:r>
-              <a:rPr sz="2400" b="1" dirty="0" err="1"/>
-              <a:t>Softmax</a:t>
-            </a:r>
-            <a:r>
-              <a:rPr sz="2400" dirty="0"/>
-              <a:t>: A function that converts outputs to probabilities, used in classification tasks.</a:t>
-            </a:r>
-            <a:endParaRPr lang="en-GB" sz="2400" dirty="0"/>
-          </a:p>
-          <a:p>
-            <a:r>
-              <a:rPr sz="2400" b="1" dirty="0"/>
-              <a:t>Pooling</a:t>
-            </a:r>
-            <a:r>
-              <a:rPr sz="2400" dirty="0"/>
-              <a:t>: A layer that reduces spatial dimensions, helping with feature abstraction and reducing computation.</a:t>
-            </a:r>
-            <a:endParaRPr lang="en-GB" sz="2400" dirty="0"/>
-          </a:p>
-          <a:p>
-            <a:r>
-              <a:rPr lang="en-GB" sz="2400" b="1" dirty="0"/>
-              <a:t>Loss function</a:t>
-            </a:r>
-            <a:r>
-              <a:rPr lang="en-GB" sz="2400" dirty="0"/>
-              <a:t>: a mathematical function that quantifies the deviation of the predictions from the actual targets.</a:t>
-            </a:r>
-          </a:p>
-          <a:p>
-            <a:r>
-              <a:rPr lang="en-GB" sz="2400" b="1" dirty="0"/>
-              <a:t>Optimizer</a:t>
-            </a:r>
-            <a:r>
-              <a:rPr lang="en-GB" sz="2400" dirty="0"/>
-              <a:t>: a method to alter the weights and biases to minimize the loss.</a:t>
-            </a:r>
-          </a:p>
-          <a:p>
-            <a:r>
-              <a:rPr lang="en-GB" sz="2400" b="1" dirty="0"/>
-              <a:t>Epoch</a:t>
-            </a:r>
-            <a:r>
-              <a:rPr lang="en-GB" sz="2400" dirty="0"/>
-              <a:t>: One complete pass through the entire training dataset</a:t>
-            </a:r>
-          </a:p>
-        </p:txBody>
-      </p:sp>
-    </p:spTree>
-  </p:cSld>
-  <p:clrMapOvr>
-    <a:masterClrMapping/>
-  </p:clrMapOvr>
-</p:sld>
-</file>
-
 <file path=ppt/slides/slide17.xml><?xml version="1.0" encoding="utf-8"?>
 <p:sld xmlns:a="http://schemas.openxmlformats.org/drawingml/2006/main" xmlns:r="http://schemas.openxmlformats.org/officeDocument/2006/relationships" xmlns:p="http://schemas.openxmlformats.org/presentationml/2006/main">
   <p:cSld>
@@ -5007,9 +4631,10 @@
           <a:lstStyle/>
           <a:p>
             <a:r>
-              <a:rPr b="1"/>
-              <a:t>What are Hyperparameters?</a:t>
-            </a:r>
+              <a:rPr lang="en-GB" b="1"/>
+              <a:t>Some terms</a:t>
+            </a:r>
+            <a:endParaRPr b="1"/>
           </a:p>
         </p:txBody>
       </p:sp>
@@ -5030,39 +4655,66 @@
           </a:bodyPr>
           <a:lstStyle/>
           <a:p>
-            <a:pPr marL="0" indent="0">
-              <a:buNone/>
-            </a:pPr>
+            <a:r>
+              <a:rPr sz="2400" b="1" dirty="0" err="1"/>
+              <a:t>ReLU</a:t>
+            </a:r>
             <a:r>
               <a:rPr sz="2400" dirty="0"/>
-              <a:t>Hyperparameters are configurations external to the model</a:t>
+              <a:t>: An activation function that introduces non-linearity by converting negative values to zero.</a:t>
+            </a:r>
+            <a:endParaRPr lang="en-GB" sz="2400" dirty="0"/>
+          </a:p>
+          <a:p>
+            <a:r>
+              <a:rPr sz="2400" b="1" dirty="0" err="1"/>
+              <a:t>Softmax</a:t>
+            </a:r>
+            <a:r>
+              <a:rPr sz="2400" dirty="0"/>
+              <a:t>: A function that converts outputs to probabilities, used in classification tasks.</a:t>
+            </a:r>
+            <a:endParaRPr lang="en-GB" sz="2400" dirty="0"/>
+          </a:p>
+          <a:p>
+            <a:r>
+              <a:rPr sz="2400" b="1" dirty="0"/>
+              <a:t>Pooling</a:t>
+            </a:r>
+            <a:r>
+              <a:rPr sz="2400" dirty="0"/>
+              <a:t>: A layer that reduces spatial dimensions, helping with feature abstraction and reducing computation.</a:t>
+            </a:r>
+            <a:endParaRPr lang="en-GB" sz="2400" dirty="0"/>
+          </a:p>
+          <a:p>
+            <a:r>
+              <a:rPr lang="en-GB" sz="2400" b="1" dirty="0"/>
+              <a:t>Loss function</a:t>
             </a:r>
             <a:r>
               <a:rPr lang="en-GB" sz="2400" dirty="0"/>
-              <a:t> which impact model performance and training efficiency</a:t>
-            </a:r>
-          </a:p>
-          <a:p>
-            <a:r>
-              <a:rPr sz="2400" dirty="0"/>
-              <a:t>learning rat</a:t>
+              <a:t>: a mathematical function that quantifies the deviation of the predictions from the actual targets.</a:t>
+            </a:r>
+          </a:p>
+          <a:p>
+            <a:r>
+              <a:rPr lang="en-GB" sz="2400" b="1" dirty="0"/>
+              <a:t>Optimizer</a:t>
             </a:r>
             <a:r>
               <a:rPr lang="en-GB" sz="2400" dirty="0"/>
-              <a:t>e</a:t>
-            </a:r>
-          </a:p>
-          <a:p>
-            <a:r>
-              <a:rPr sz="2400" dirty="0"/>
-              <a:t>batch size</a:t>
-            </a:r>
-            <a:endParaRPr lang="en-GB" sz="2400" dirty="0"/>
-          </a:p>
-          <a:p>
-            <a:r>
-              <a:rPr sz="2400" dirty="0"/>
-              <a:t>number of layers</a:t>
+              <a:t>: a method to alter the weights and biases to minimize the loss.</a:t>
+            </a:r>
+          </a:p>
+          <a:p>
+            <a:r>
+              <a:rPr lang="en-GB" sz="2400" b="1" dirty="0"/>
+              <a:t>Epoch</a:t>
+            </a:r>
+            <a:r>
+              <a:rPr lang="en-GB" sz="2400" dirty="0"/>
+              <a:t>: One complete pass through the entire training dataset</a:t>
             </a:r>
           </a:p>
         </p:txBody>
@@ -5076,6 +4728,107 @@
 </file>
 
 <file path=ppt/slides/slide18.xml><?xml version="1.0" encoding="utf-8"?>
+<p:sld xmlns:a="http://schemas.openxmlformats.org/drawingml/2006/main" xmlns:r="http://schemas.openxmlformats.org/officeDocument/2006/relationships" xmlns:p="http://schemas.openxmlformats.org/presentationml/2006/main">
+  <p:cSld>
+    <p:spTree>
+      <p:nvGrpSpPr>
+        <p:cNvPr id="1" name=""/>
+        <p:cNvGrpSpPr/>
+        <p:nvPr/>
+      </p:nvGrpSpPr>
+      <p:grpSpPr>
+        <a:xfrm>
+          <a:off x="0" y="0"/>
+          <a:ext cx="0" cy="0"/>
+          <a:chOff x="0" y="0"/>
+          <a:chExt cx="0" cy="0"/>
+        </a:xfrm>
+      </p:grpSpPr>
+      <p:sp>
+        <p:nvSpPr>
+          <p:cNvPr id="2" name="Title 1"/>
+          <p:cNvSpPr>
+            <a:spLocks noGrp="1"/>
+          </p:cNvSpPr>
+          <p:nvPr>
+            <p:ph type="title"/>
+          </p:nvPr>
+        </p:nvSpPr>
+        <p:spPr/>
+        <p:txBody>
+          <a:bodyPr/>
+          <a:lstStyle/>
+          <a:p>
+            <a:r>
+              <a:rPr b="1"/>
+              <a:t>What are Hyperparameters?</a:t>
+            </a:r>
+          </a:p>
+        </p:txBody>
+      </p:sp>
+      <p:sp>
+        <p:nvSpPr>
+          <p:cNvPr id="3" name="Content Placeholder 2"/>
+          <p:cNvSpPr>
+            <a:spLocks noGrp="1"/>
+          </p:cNvSpPr>
+          <p:nvPr>
+            <p:ph idx="1"/>
+          </p:nvPr>
+        </p:nvSpPr>
+        <p:spPr/>
+        <p:txBody>
+          <a:bodyPr>
+            <a:normAutofit/>
+          </a:bodyPr>
+          <a:lstStyle/>
+          <a:p>
+            <a:pPr marL="0" indent="0">
+              <a:buNone/>
+            </a:pPr>
+            <a:r>
+              <a:rPr sz="2400" dirty="0"/>
+              <a:t>Hyperparameters are configurations external to the model</a:t>
+            </a:r>
+            <a:r>
+              <a:rPr lang="en-GB" sz="2400" dirty="0"/>
+              <a:t> which impact model performance and training efficiency</a:t>
+            </a:r>
+          </a:p>
+          <a:p>
+            <a:r>
+              <a:rPr sz="2400" dirty="0"/>
+              <a:t>learning rat</a:t>
+            </a:r>
+            <a:r>
+              <a:rPr lang="en-GB" sz="2400" dirty="0"/>
+              <a:t>e</a:t>
+            </a:r>
+          </a:p>
+          <a:p>
+            <a:r>
+              <a:rPr sz="2400" dirty="0"/>
+              <a:t>batch size</a:t>
+            </a:r>
+            <a:endParaRPr lang="en-GB" sz="2400" dirty="0"/>
+          </a:p>
+          <a:p>
+            <a:r>
+              <a:rPr sz="2400" dirty="0"/>
+              <a:t>number of layers</a:t>
+            </a:r>
+          </a:p>
+        </p:txBody>
+      </p:sp>
+    </p:spTree>
+  </p:cSld>
+  <p:clrMapOvr>
+    <a:masterClrMapping/>
+  </p:clrMapOvr>
+</p:sld>
+</file>
+
+<file path=ppt/slides/slide19.xml><?xml version="1.0" encoding="utf-8"?>
 <p:sld xmlns:a="http://schemas.openxmlformats.org/drawingml/2006/main" xmlns:r="http://schemas.openxmlformats.org/officeDocument/2006/relationships" xmlns:p="http://schemas.openxmlformats.org/presentationml/2006/main">
   <p:cSld>
     <p:spTree>
@@ -5140,7 +4893,116 @@
 </p:sld>
 </file>
 
-<file path=ppt/slides/slide19.xml><?xml version="1.0" encoding="utf-8"?>
+<file path=ppt/slides/slide2.xml><?xml version="1.0" encoding="utf-8"?>
+<p:sld xmlns:a="http://schemas.openxmlformats.org/drawingml/2006/main" xmlns:r="http://schemas.openxmlformats.org/officeDocument/2006/relationships" xmlns:p="http://schemas.openxmlformats.org/presentationml/2006/main">
+  <p:cSld>
+    <p:spTree>
+      <p:nvGrpSpPr>
+        <p:cNvPr id="1" name=""/>
+        <p:cNvGrpSpPr/>
+        <p:nvPr/>
+      </p:nvGrpSpPr>
+      <p:grpSpPr>
+        <a:xfrm>
+          <a:off x="0" y="0"/>
+          <a:ext cx="0" cy="0"/>
+          <a:chOff x="0" y="0"/>
+          <a:chExt cx="0" cy="0"/>
+        </a:xfrm>
+      </p:grpSpPr>
+      <p:sp>
+        <p:nvSpPr>
+          <p:cNvPr id="2" name="Title 1"/>
+          <p:cNvSpPr>
+            <a:spLocks noGrp="1"/>
+          </p:cNvSpPr>
+          <p:nvPr>
+            <p:ph type="title"/>
+          </p:nvPr>
+        </p:nvSpPr>
+        <p:spPr/>
+        <p:txBody>
+          <a:bodyPr/>
+          <a:lstStyle/>
+          <a:p>
+            <a:r>
+              <a:rPr lang="en-GB" b="1" dirty="0"/>
+              <a:t>Overview</a:t>
+            </a:r>
+            <a:endParaRPr b="1" dirty="0"/>
+          </a:p>
+        </p:txBody>
+      </p:sp>
+      <p:sp>
+        <p:nvSpPr>
+          <p:cNvPr id="3" name="Content Placeholder 2"/>
+          <p:cNvSpPr>
+            <a:spLocks noGrp="1"/>
+          </p:cNvSpPr>
+          <p:nvPr>
+            <p:ph idx="1"/>
+          </p:nvPr>
+        </p:nvSpPr>
+        <p:spPr/>
+        <p:txBody>
+          <a:bodyPr>
+            <a:normAutofit/>
+          </a:bodyPr>
+          <a:lstStyle/>
+          <a:p>
+            <a:r>
+              <a:rPr lang="en-GB" sz="2400" dirty="0"/>
+              <a:t>Intro to deep learning</a:t>
+            </a:r>
+          </a:p>
+          <a:p>
+            <a:r>
+              <a:rPr lang="en-GB" sz="2400" dirty="0"/>
+              <a:t>Intro to image data</a:t>
+            </a:r>
+          </a:p>
+          <a:p>
+            <a:r>
+              <a:rPr lang="en-GB" sz="2400" dirty="0"/>
+              <a:t>What is a neural network</a:t>
+            </a:r>
+          </a:p>
+          <a:p>
+            <a:r>
+              <a:rPr lang="en-GB" sz="2400" dirty="0"/>
+              <a:t>What is a convolutional neural network</a:t>
+            </a:r>
+          </a:p>
+          <a:p>
+            <a:r>
+              <a:rPr lang="en-GB" sz="2400" dirty="0"/>
+              <a:t>Terminology</a:t>
+            </a:r>
+          </a:p>
+          <a:p>
+            <a:r>
+              <a:rPr lang="en-GB" sz="2400" dirty="0"/>
+              <a:t>Fine-tuning a pre-trained network</a:t>
+            </a:r>
+          </a:p>
+          <a:p>
+            <a:r>
+              <a:rPr lang="en-GB" sz="2400" dirty="0"/>
+              <a:t>Other kinds of NNs</a:t>
+            </a:r>
+            <a:endParaRPr sz="2400" dirty="0"/>
+          </a:p>
+        </p:txBody>
+      </p:sp>
+    </p:spTree>
+  </p:cSld>
+  <p:clrMapOvr>
+    <a:masterClrMapping/>
+  </p:clrMapOvr>
+</p:sld>
+</file>
+
+<file path=ppt/slides/slide20.xml><?xml version="1.0" encoding="utf-8"?>
 <p:sld xmlns:a="http://schemas.openxmlformats.org/drawingml/2006/main" xmlns:r="http://schemas.openxmlformats.org/officeDocument/2006/relationships" xmlns:p="http://schemas.openxmlformats.org/presentationml/2006/main">
   <p:cSld>
     <p:spTree>
@@ -5344,116 +5206,7 @@
 </p:sld>
 </file>
 
-<file path=ppt/slides/slide2.xml><?xml version="1.0" encoding="utf-8"?>
-<p:sld xmlns:a="http://schemas.openxmlformats.org/drawingml/2006/main" xmlns:r="http://schemas.openxmlformats.org/officeDocument/2006/relationships" xmlns:p="http://schemas.openxmlformats.org/presentationml/2006/main">
-  <p:cSld>
-    <p:spTree>
-      <p:nvGrpSpPr>
-        <p:cNvPr id="1" name=""/>
-        <p:cNvGrpSpPr/>
-        <p:nvPr/>
-      </p:nvGrpSpPr>
-      <p:grpSpPr>
-        <a:xfrm>
-          <a:off x="0" y="0"/>
-          <a:ext cx="0" cy="0"/>
-          <a:chOff x="0" y="0"/>
-          <a:chExt cx="0" cy="0"/>
-        </a:xfrm>
-      </p:grpSpPr>
-      <p:sp>
-        <p:nvSpPr>
-          <p:cNvPr id="2" name="Title 1"/>
-          <p:cNvSpPr>
-            <a:spLocks noGrp="1"/>
-          </p:cNvSpPr>
-          <p:nvPr>
-            <p:ph type="title"/>
-          </p:nvPr>
-        </p:nvSpPr>
-        <p:spPr/>
-        <p:txBody>
-          <a:bodyPr/>
-          <a:lstStyle/>
-          <a:p>
-            <a:r>
-              <a:rPr lang="en-GB" b="1" dirty="0"/>
-              <a:t>Overview</a:t>
-            </a:r>
-            <a:endParaRPr b="1" dirty="0"/>
-          </a:p>
-        </p:txBody>
-      </p:sp>
-      <p:sp>
-        <p:nvSpPr>
-          <p:cNvPr id="3" name="Content Placeholder 2"/>
-          <p:cNvSpPr>
-            <a:spLocks noGrp="1"/>
-          </p:cNvSpPr>
-          <p:nvPr>
-            <p:ph idx="1"/>
-          </p:nvPr>
-        </p:nvSpPr>
-        <p:spPr/>
-        <p:txBody>
-          <a:bodyPr>
-            <a:normAutofit/>
-          </a:bodyPr>
-          <a:lstStyle/>
-          <a:p>
-            <a:r>
-              <a:rPr lang="en-GB" sz="2400" dirty="0"/>
-              <a:t>Intro to deep learning</a:t>
-            </a:r>
-          </a:p>
-          <a:p>
-            <a:r>
-              <a:rPr lang="en-GB" sz="2400" dirty="0"/>
-              <a:t>Intro to image data</a:t>
-            </a:r>
-          </a:p>
-          <a:p>
-            <a:r>
-              <a:rPr lang="en-GB" sz="2400" dirty="0"/>
-              <a:t>What is a neural network</a:t>
-            </a:r>
-          </a:p>
-          <a:p>
-            <a:r>
-              <a:rPr lang="en-GB" sz="2400" dirty="0"/>
-              <a:t>What is a convolutional neural network</a:t>
-            </a:r>
-          </a:p>
-          <a:p>
-            <a:r>
-              <a:rPr lang="en-GB" sz="2400" dirty="0"/>
-              <a:t>Terminology</a:t>
-            </a:r>
-          </a:p>
-          <a:p>
-            <a:r>
-              <a:rPr lang="en-GB" sz="2400" dirty="0"/>
-              <a:t>Fine-tuning a pre-trained network</a:t>
-            </a:r>
-          </a:p>
-          <a:p>
-            <a:r>
-              <a:rPr lang="en-GB" sz="2400" dirty="0"/>
-              <a:t>Other kinds of NNs</a:t>
-            </a:r>
-            <a:endParaRPr sz="2400" dirty="0"/>
-          </a:p>
-        </p:txBody>
-      </p:sp>
-    </p:spTree>
-  </p:cSld>
-  <p:clrMapOvr>
-    <a:masterClrMapping/>
-  </p:clrMapOvr>
-</p:sld>
-</file>
-
-<file path=ppt/slides/slide20.xml><?xml version="1.0" encoding="utf-8"?>
+<file path=ppt/slides/slide21.xml><?xml version="1.0" encoding="utf-8"?>
 <p:sld xmlns:a="http://schemas.openxmlformats.org/drawingml/2006/main" xmlns:r="http://schemas.openxmlformats.org/officeDocument/2006/relationships" xmlns:p="http://schemas.openxmlformats.org/presentationml/2006/main">
   <p:cSld>
     <p:spTree>
@@ -5607,7 +5360,7 @@
 </p:sld>
 </file>
 
-<file path=ppt/slides/slide21.xml><?xml version="1.0" encoding="utf-8"?>
+<file path=ppt/slides/slide22.xml><?xml version="1.0" encoding="utf-8"?>
 <p:sld xmlns:a="http://schemas.openxmlformats.org/drawingml/2006/main" xmlns:r="http://schemas.openxmlformats.org/officeDocument/2006/relationships" xmlns:p="http://schemas.openxmlformats.org/presentationml/2006/main">
   <p:cSld>
     <p:spTree>
@@ -5672,7 +5425,7 @@
 </p:sld>
 </file>
 
-<file path=ppt/slides/slide22.xml><?xml version="1.0" encoding="utf-8"?>
+<file path=ppt/slides/slide23.xml><?xml version="1.0" encoding="utf-8"?>
 <p:sld xmlns:a="http://schemas.openxmlformats.org/drawingml/2006/main" xmlns:r="http://schemas.openxmlformats.org/officeDocument/2006/relationships" xmlns:p="http://schemas.openxmlformats.org/presentationml/2006/main">
   <p:cSld>
     <p:spTree>
@@ -5780,7 +5533,7 @@
 </p:sld>
 </file>
 
-<file path=ppt/slides/slide23.xml><?xml version="1.0" encoding="utf-8"?>
+<file path=ppt/slides/slide24.xml><?xml version="1.0" encoding="utf-8"?>
 <p:sld xmlns:a="http://schemas.openxmlformats.org/drawingml/2006/main" xmlns:r="http://schemas.openxmlformats.org/officeDocument/2006/relationships" xmlns:p="http://schemas.openxmlformats.org/presentationml/2006/main">
   <p:cSld>
     <p:spTree>
